--- a/Documentation/Dataflow.pptx
+++ b/Documentation/Dataflow.pptx
@@ -6,6 +6,9 @@
   </p:sldMasterIdLst>
   <p:sldIdLst>
     <p:sldId id="256" r:id="rId2"/>
+    <p:sldId id="257" r:id="rId3"/>
+    <p:sldId id="260" r:id="rId4"/>
+    <p:sldId id="259" r:id="rId5"/>
   </p:sldIdLst>
   <p:sldSz cx="12192000" cy="6858000"/>
   <p:notesSz cx="6858000" cy="9144000"/>
@@ -104,6 +107,11 @@
       </a:defRPr>
     </a:lvl9pPr>
   </p:defaultTextStyle>
+  <p:extLst>
+    <p:ext uri="{EFAFB233-063F-42B5-8137-9DF3F51BA10A}">
+      <p15:sldGuideLst xmlns:p15="http://schemas.microsoft.com/office/powerpoint/2012/main"/>
+    </p:ext>
+  </p:extLst>
 </p:presentation>
 </file>
 
@@ -152,7 +160,6 @@
               <a:rPr lang="en-US"/>
               <a:t>Click to edit Master title style</a:t>
             </a:r>
-            <a:endParaRPr lang="en-US"/>
           </a:p>
         </p:txBody>
       </p:sp>
@@ -217,7 +224,6 @@
               <a:rPr lang="en-US"/>
               <a:t>Click to edit Master subtitle style</a:t>
             </a:r>
-            <a:endParaRPr lang="en-US"/>
           </a:p>
         </p:txBody>
       </p:sp>
@@ -236,9 +242,9 @@
           <a:bodyPr/>
           <a:lstStyle/>
           <a:p>
-            <a:fld id="{17F2AD59-993B-47EC-90A0-917555D77EED}" type="datetimeFigureOut">
+            <a:fld id="{2720BED5-F1DB-4233-8469-C99F1BD85BAD}" type="datetimeFigureOut">
               <a:rPr lang="en-US" smtClean="0"/>
-              <a:t>11/28/16</a:t>
+              <a:t>11/29/16</a:t>
             </a:fld>
             <a:endParaRPr lang="en-US"/>
           </a:p>
@@ -278,7 +284,7 @@
           <a:bodyPr/>
           <a:lstStyle/>
           <a:p>
-            <a:fld id="{A997318A-6BBE-4081-B323-9279F53B44B9}" type="slidenum">
+            <a:fld id="{694386CA-4831-4B20-8212-F09F83C950D4}" type="slidenum">
               <a:rPr lang="en-US" smtClean="0"/>
               <a:t>‹#›</a:t>
             </a:fld>
@@ -289,7 +295,7 @@
     </p:spTree>
     <p:extLst>
       <p:ext uri="{BB962C8B-B14F-4D97-AF65-F5344CB8AC3E}">
-        <p14:creationId xmlns:p14="http://schemas.microsoft.com/office/powerpoint/2010/main" val="2200898342"/>
+        <p14:creationId xmlns:p14="http://schemas.microsoft.com/office/powerpoint/2010/main" val="318609294"/>
       </p:ext>
     </p:extLst>
   </p:cSld>
@@ -335,7 +341,6 @@
               <a:rPr lang="en-US"/>
               <a:t>Click to edit Master title style</a:t>
             </a:r>
-            <a:endParaRPr lang="en-US"/>
           </a:p>
         </p:txBody>
       </p:sp>
@@ -387,7 +392,6 @@
               <a:rPr lang="en-US"/>
               <a:t>Fifth level</a:t>
             </a:r>
-            <a:endParaRPr lang="en-US"/>
           </a:p>
         </p:txBody>
       </p:sp>
@@ -406,9 +410,9 @@
           <a:bodyPr/>
           <a:lstStyle/>
           <a:p>
-            <a:fld id="{17F2AD59-993B-47EC-90A0-917555D77EED}" type="datetimeFigureOut">
+            <a:fld id="{2720BED5-F1DB-4233-8469-C99F1BD85BAD}" type="datetimeFigureOut">
               <a:rPr lang="en-US" smtClean="0"/>
-              <a:t>11/28/16</a:t>
+              <a:t>11/29/16</a:t>
             </a:fld>
             <a:endParaRPr lang="en-US"/>
           </a:p>
@@ -448,7 +452,7 @@
           <a:bodyPr/>
           <a:lstStyle/>
           <a:p>
-            <a:fld id="{A997318A-6BBE-4081-B323-9279F53B44B9}" type="slidenum">
+            <a:fld id="{694386CA-4831-4B20-8212-F09F83C950D4}" type="slidenum">
               <a:rPr lang="en-US" smtClean="0"/>
               <a:t>‹#›</a:t>
             </a:fld>
@@ -459,7 +463,7 @@
     </p:spTree>
     <p:extLst>
       <p:ext uri="{BB962C8B-B14F-4D97-AF65-F5344CB8AC3E}">
-        <p14:creationId xmlns:p14="http://schemas.microsoft.com/office/powerpoint/2010/main" val="2517066988"/>
+        <p14:creationId xmlns:p14="http://schemas.microsoft.com/office/powerpoint/2010/main" val="1963564838"/>
       </p:ext>
     </p:extLst>
   </p:cSld>
@@ -510,7 +514,6 @@
               <a:rPr lang="en-US"/>
               <a:t>Click to edit Master title style</a:t>
             </a:r>
-            <a:endParaRPr lang="en-US"/>
           </a:p>
         </p:txBody>
       </p:sp>
@@ -567,7 +570,6 @@
               <a:rPr lang="en-US"/>
               <a:t>Fifth level</a:t>
             </a:r>
-            <a:endParaRPr lang="en-US"/>
           </a:p>
         </p:txBody>
       </p:sp>
@@ -586,9 +588,9 @@
           <a:bodyPr/>
           <a:lstStyle/>
           <a:p>
-            <a:fld id="{17F2AD59-993B-47EC-90A0-917555D77EED}" type="datetimeFigureOut">
+            <a:fld id="{2720BED5-F1DB-4233-8469-C99F1BD85BAD}" type="datetimeFigureOut">
               <a:rPr lang="en-US" smtClean="0"/>
-              <a:t>11/28/16</a:t>
+              <a:t>11/29/16</a:t>
             </a:fld>
             <a:endParaRPr lang="en-US"/>
           </a:p>
@@ -628,7 +630,7 @@
           <a:bodyPr/>
           <a:lstStyle/>
           <a:p>
-            <a:fld id="{A997318A-6BBE-4081-B323-9279F53B44B9}" type="slidenum">
+            <a:fld id="{694386CA-4831-4B20-8212-F09F83C950D4}" type="slidenum">
               <a:rPr lang="en-US" smtClean="0"/>
               <a:t>‹#›</a:t>
             </a:fld>
@@ -639,7 +641,7 @@
     </p:spTree>
     <p:extLst>
       <p:ext uri="{BB962C8B-B14F-4D97-AF65-F5344CB8AC3E}">
-        <p14:creationId xmlns:p14="http://schemas.microsoft.com/office/powerpoint/2010/main" val="692352009"/>
+        <p14:creationId xmlns:p14="http://schemas.microsoft.com/office/powerpoint/2010/main" val="507571471"/>
       </p:ext>
     </p:extLst>
   </p:cSld>
@@ -685,7 +687,6 @@
               <a:rPr lang="en-US"/>
               <a:t>Click to edit Master title style</a:t>
             </a:r>
-            <a:endParaRPr lang="en-US"/>
           </a:p>
         </p:txBody>
       </p:sp>
@@ -737,7 +738,6 @@
               <a:rPr lang="en-US"/>
               <a:t>Fifth level</a:t>
             </a:r>
-            <a:endParaRPr lang="en-US"/>
           </a:p>
         </p:txBody>
       </p:sp>
@@ -756,9 +756,9 @@
           <a:bodyPr/>
           <a:lstStyle/>
           <a:p>
-            <a:fld id="{17F2AD59-993B-47EC-90A0-917555D77EED}" type="datetimeFigureOut">
+            <a:fld id="{2720BED5-F1DB-4233-8469-C99F1BD85BAD}" type="datetimeFigureOut">
               <a:rPr lang="en-US" smtClean="0"/>
-              <a:t>11/28/16</a:t>
+              <a:t>11/29/16</a:t>
             </a:fld>
             <a:endParaRPr lang="en-US"/>
           </a:p>
@@ -798,7 +798,7 @@
           <a:bodyPr/>
           <a:lstStyle/>
           <a:p>
-            <a:fld id="{A997318A-6BBE-4081-B323-9279F53B44B9}" type="slidenum">
+            <a:fld id="{694386CA-4831-4B20-8212-F09F83C950D4}" type="slidenum">
               <a:rPr lang="en-US" smtClean="0"/>
               <a:t>‹#›</a:t>
             </a:fld>
@@ -809,7 +809,7 @@
     </p:spTree>
     <p:extLst>
       <p:ext uri="{BB962C8B-B14F-4D97-AF65-F5344CB8AC3E}">
-        <p14:creationId xmlns:p14="http://schemas.microsoft.com/office/powerpoint/2010/main" val="4279191434"/>
+        <p14:creationId xmlns:p14="http://schemas.microsoft.com/office/powerpoint/2010/main" val="1734056714"/>
       </p:ext>
     </p:extLst>
   </p:cSld>
@@ -864,7 +864,6 @@
               <a:rPr lang="en-US"/>
               <a:t>Click to edit Master title style</a:t>
             </a:r>
-            <a:endParaRPr lang="en-US"/>
           </a:p>
         </p:txBody>
       </p:sp>
@@ -1002,9 +1001,9 @@
           <a:bodyPr/>
           <a:lstStyle/>
           <a:p>
-            <a:fld id="{17F2AD59-993B-47EC-90A0-917555D77EED}" type="datetimeFigureOut">
+            <a:fld id="{2720BED5-F1DB-4233-8469-C99F1BD85BAD}" type="datetimeFigureOut">
               <a:rPr lang="en-US" smtClean="0"/>
-              <a:t>11/28/16</a:t>
+              <a:t>11/29/16</a:t>
             </a:fld>
             <a:endParaRPr lang="en-US"/>
           </a:p>
@@ -1044,7 +1043,7 @@
           <a:bodyPr/>
           <a:lstStyle/>
           <a:p>
-            <a:fld id="{A997318A-6BBE-4081-B323-9279F53B44B9}" type="slidenum">
+            <a:fld id="{694386CA-4831-4B20-8212-F09F83C950D4}" type="slidenum">
               <a:rPr lang="en-US" smtClean="0"/>
               <a:t>‹#›</a:t>
             </a:fld>
@@ -1055,7 +1054,7 @@
     </p:spTree>
     <p:extLst>
       <p:ext uri="{BB962C8B-B14F-4D97-AF65-F5344CB8AC3E}">
-        <p14:creationId xmlns:p14="http://schemas.microsoft.com/office/powerpoint/2010/main" val="3314995569"/>
+        <p14:creationId xmlns:p14="http://schemas.microsoft.com/office/powerpoint/2010/main" val="898242463"/>
       </p:ext>
     </p:extLst>
   </p:cSld>
@@ -1101,7 +1100,6 @@
               <a:rPr lang="en-US"/>
               <a:t>Click to edit Master title style</a:t>
             </a:r>
-            <a:endParaRPr lang="en-US"/>
           </a:p>
         </p:txBody>
       </p:sp>
@@ -1158,7 +1156,6 @@
               <a:rPr lang="en-US"/>
               <a:t>Fifth level</a:t>
             </a:r>
-            <a:endParaRPr lang="en-US"/>
           </a:p>
         </p:txBody>
       </p:sp>
@@ -1215,7 +1212,6 @@
               <a:rPr lang="en-US"/>
               <a:t>Fifth level</a:t>
             </a:r>
-            <a:endParaRPr lang="en-US"/>
           </a:p>
         </p:txBody>
       </p:sp>
@@ -1234,9 +1230,9 @@
           <a:bodyPr/>
           <a:lstStyle/>
           <a:p>
-            <a:fld id="{17F2AD59-993B-47EC-90A0-917555D77EED}" type="datetimeFigureOut">
+            <a:fld id="{2720BED5-F1DB-4233-8469-C99F1BD85BAD}" type="datetimeFigureOut">
               <a:rPr lang="en-US" smtClean="0"/>
-              <a:t>11/28/16</a:t>
+              <a:t>11/29/16</a:t>
             </a:fld>
             <a:endParaRPr lang="en-US"/>
           </a:p>
@@ -1276,7 +1272,7 @@
           <a:bodyPr/>
           <a:lstStyle/>
           <a:p>
-            <a:fld id="{A997318A-6BBE-4081-B323-9279F53B44B9}" type="slidenum">
+            <a:fld id="{694386CA-4831-4B20-8212-F09F83C950D4}" type="slidenum">
               <a:rPr lang="en-US" smtClean="0"/>
               <a:t>‹#›</a:t>
             </a:fld>
@@ -1287,7 +1283,7 @@
     </p:spTree>
     <p:extLst>
       <p:ext uri="{BB962C8B-B14F-4D97-AF65-F5344CB8AC3E}">
-        <p14:creationId xmlns:p14="http://schemas.microsoft.com/office/powerpoint/2010/main" val="3702671028"/>
+        <p14:creationId xmlns:p14="http://schemas.microsoft.com/office/powerpoint/2010/main" val="3063990107"/>
       </p:ext>
     </p:extLst>
   </p:cSld>
@@ -1338,7 +1334,6 @@
               <a:rPr lang="en-US"/>
               <a:t>Click to edit Master title style</a:t>
             </a:r>
-            <a:endParaRPr lang="en-US"/>
           </a:p>
         </p:txBody>
       </p:sp>
@@ -1460,7 +1455,6 @@
               <a:rPr lang="en-US"/>
               <a:t>Fifth level</a:t>
             </a:r>
-            <a:endParaRPr lang="en-US"/>
           </a:p>
         </p:txBody>
       </p:sp>
@@ -1582,7 +1576,6 @@
               <a:rPr lang="en-US"/>
               <a:t>Fifth level</a:t>
             </a:r>
-            <a:endParaRPr lang="en-US"/>
           </a:p>
         </p:txBody>
       </p:sp>
@@ -1601,9 +1594,9 @@
           <a:bodyPr/>
           <a:lstStyle/>
           <a:p>
-            <a:fld id="{17F2AD59-993B-47EC-90A0-917555D77EED}" type="datetimeFigureOut">
+            <a:fld id="{2720BED5-F1DB-4233-8469-C99F1BD85BAD}" type="datetimeFigureOut">
               <a:rPr lang="en-US" smtClean="0"/>
-              <a:t>11/28/16</a:t>
+              <a:t>11/29/16</a:t>
             </a:fld>
             <a:endParaRPr lang="en-US"/>
           </a:p>
@@ -1643,7 +1636,7 @@
           <a:bodyPr/>
           <a:lstStyle/>
           <a:p>
-            <a:fld id="{A997318A-6BBE-4081-B323-9279F53B44B9}" type="slidenum">
+            <a:fld id="{694386CA-4831-4B20-8212-F09F83C950D4}" type="slidenum">
               <a:rPr lang="en-US" smtClean="0"/>
               <a:t>‹#›</a:t>
             </a:fld>
@@ -1654,7 +1647,7 @@
     </p:spTree>
     <p:extLst>
       <p:ext uri="{BB962C8B-B14F-4D97-AF65-F5344CB8AC3E}">
-        <p14:creationId xmlns:p14="http://schemas.microsoft.com/office/powerpoint/2010/main" val="3341711546"/>
+        <p14:creationId xmlns:p14="http://schemas.microsoft.com/office/powerpoint/2010/main" val="3285947976"/>
       </p:ext>
     </p:extLst>
   </p:cSld>
@@ -1700,7 +1693,6 @@
               <a:rPr lang="en-US"/>
               <a:t>Click to edit Master title style</a:t>
             </a:r>
-            <a:endParaRPr lang="en-US"/>
           </a:p>
         </p:txBody>
       </p:sp>
@@ -1719,9 +1711,9 @@
           <a:bodyPr/>
           <a:lstStyle/>
           <a:p>
-            <a:fld id="{17F2AD59-993B-47EC-90A0-917555D77EED}" type="datetimeFigureOut">
+            <a:fld id="{2720BED5-F1DB-4233-8469-C99F1BD85BAD}" type="datetimeFigureOut">
               <a:rPr lang="en-US" smtClean="0"/>
-              <a:t>11/28/16</a:t>
+              <a:t>11/29/16</a:t>
             </a:fld>
             <a:endParaRPr lang="en-US"/>
           </a:p>
@@ -1761,7 +1753,7 @@
           <a:bodyPr/>
           <a:lstStyle/>
           <a:p>
-            <a:fld id="{A997318A-6BBE-4081-B323-9279F53B44B9}" type="slidenum">
+            <a:fld id="{694386CA-4831-4B20-8212-F09F83C950D4}" type="slidenum">
               <a:rPr lang="en-US" smtClean="0"/>
               <a:t>‹#›</a:t>
             </a:fld>
@@ -1772,7 +1764,7 @@
     </p:spTree>
     <p:extLst>
       <p:ext uri="{BB962C8B-B14F-4D97-AF65-F5344CB8AC3E}">
-        <p14:creationId xmlns:p14="http://schemas.microsoft.com/office/powerpoint/2010/main" val="3414581917"/>
+        <p14:creationId xmlns:p14="http://schemas.microsoft.com/office/powerpoint/2010/main" val="3339391775"/>
       </p:ext>
     </p:extLst>
   </p:cSld>
@@ -1814,9 +1806,9 @@
           <a:bodyPr/>
           <a:lstStyle/>
           <a:p>
-            <a:fld id="{17F2AD59-993B-47EC-90A0-917555D77EED}" type="datetimeFigureOut">
+            <a:fld id="{2720BED5-F1DB-4233-8469-C99F1BD85BAD}" type="datetimeFigureOut">
               <a:rPr lang="en-US" smtClean="0"/>
-              <a:t>11/28/16</a:t>
+              <a:t>11/29/16</a:t>
             </a:fld>
             <a:endParaRPr lang="en-US"/>
           </a:p>
@@ -1856,7 +1848,7 @@
           <a:bodyPr/>
           <a:lstStyle/>
           <a:p>
-            <a:fld id="{A997318A-6BBE-4081-B323-9279F53B44B9}" type="slidenum">
+            <a:fld id="{694386CA-4831-4B20-8212-F09F83C950D4}" type="slidenum">
               <a:rPr lang="en-US" smtClean="0"/>
               <a:t>‹#›</a:t>
             </a:fld>
@@ -1867,7 +1859,7 @@
     </p:spTree>
     <p:extLst>
       <p:ext uri="{BB962C8B-B14F-4D97-AF65-F5344CB8AC3E}">
-        <p14:creationId xmlns:p14="http://schemas.microsoft.com/office/powerpoint/2010/main" val="627425255"/>
+        <p14:creationId xmlns:p14="http://schemas.microsoft.com/office/powerpoint/2010/main" val="3976184327"/>
       </p:ext>
     </p:extLst>
   </p:cSld>
@@ -1922,7 +1914,6 @@
               <a:rPr lang="en-US"/>
               <a:t>Click to edit Master title style</a:t>
             </a:r>
-            <a:endParaRPr lang="en-US"/>
           </a:p>
         </p:txBody>
       </p:sp>
@@ -2007,7 +1998,6 @@
               <a:rPr lang="en-US"/>
               <a:t>Fifth level</a:t>
             </a:r>
-            <a:endParaRPr lang="en-US"/>
           </a:p>
         </p:txBody>
       </p:sp>
@@ -2091,9 +2081,9 @@
           <a:bodyPr/>
           <a:lstStyle/>
           <a:p>
-            <a:fld id="{17F2AD59-993B-47EC-90A0-917555D77EED}" type="datetimeFigureOut">
+            <a:fld id="{2720BED5-F1DB-4233-8469-C99F1BD85BAD}" type="datetimeFigureOut">
               <a:rPr lang="en-US" smtClean="0"/>
-              <a:t>11/28/16</a:t>
+              <a:t>11/29/16</a:t>
             </a:fld>
             <a:endParaRPr lang="en-US"/>
           </a:p>
@@ -2133,7 +2123,7 @@
           <a:bodyPr/>
           <a:lstStyle/>
           <a:p>
-            <a:fld id="{A997318A-6BBE-4081-B323-9279F53B44B9}" type="slidenum">
+            <a:fld id="{694386CA-4831-4B20-8212-F09F83C950D4}" type="slidenum">
               <a:rPr lang="en-US" smtClean="0"/>
               <a:t>‹#›</a:t>
             </a:fld>
@@ -2144,7 +2134,7 @@
     </p:spTree>
     <p:extLst>
       <p:ext uri="{BB962C8B-B14F-4D97-AF65-F5344CB8AC3E}">
-        <p14:creationId xmlns:p14="http://schemas.microsoft.com/office/powerpoint/2010/main" val="2585321654"/>
+        <p14:creationId xmlns:p14="http://schemas.microsoft.com/office/powerpoint/2010/main" val="2363427215"/>
       </p:ext>
     </p:extLst>
   </p:cSld>
@@ -2199,7 +2189,6 @@
               <a:rPr lang="en-US"/>
               <a:t>Click to edit Master title style</a:t>
             </a:r>
-            <a:endParaRPr lang="en-US"/>
           </a:p>
         </p:txBody>
       </p:sp>
@@ -2344,9 +2333,9 @@
           <a:bodyPr/>
           <a:lstStyle/>
           <a:p>
-            <a:fld id="{17F2AD59-993B-47EC-90A0-917555D77EED}" type="datetimeFigureOut">
+            <a:fld id="{2720BED5-F1DB-4233-8469-C99F1BD85BAD}" type="datetimeFigureOut">
               <a:rPr lang="en-US" smtClean="0"/>
-              <a:t>11/28/16</a:t>
+              <a:t>11/29/16</a:t>
             </a:fld>
             <a:endParaRPr lang="en-US"/>
           </a:p>
@@ -2386,7 +2375,7 @@
           <a:bodyPr/>
           <a:lstStyle/>
           <a:p>
-            <a:fld id="{A997318A-6BBE-4081-B323-9279F53B44B9}" type="slidenum">
+            <a:fld id="{694386CA-4831-4B20-8212-F09F83C950D4}" type="slidenum">
               <a:rPr lang="en-US" smtClean="0"/>
               <a:t>‹#›</a:t>
             </a:fld>
@@ -2397,7 +2386,7 @@
     </p:spTree>
     <p:extLst>
       <p:ext uri="{BB962C8B-B14F-4D97-AF65-F5344CB8AC3E}">
-        <p14:creationId xmlns:p14="http://schemas.microsoft.com/office/powerpoint/2010/main" val="267497007"/>
+        <p14:creationId xmlns:p14="http://schemas.microsoft.com/office/powerpoint/2010/main" val="3243828979"/>
       </p:ext>
     </p:extLst>
   </p:cSld>
@@ -2458,7 +2447,6 @@
               <a:rPr lang="en-US"/>
               <a:t>Click to edit Master title style</a:t>
             </a:r>
-            <a:endParaRPr lang="en-US"/>
           </a:p>
         </p:txBody>
       </p:sp>
@@ -2520,7 +2508,6 @@
               <a:rPr lang="en-US"/>
               <a:t>Fifth level</a:t>
             </a:r>
-            <a:endParaRPr lang="en-US"/>
           </a:p>
         </p:txBody>
       </p:sp>
@@ -2557,9 +2544,9 @@
             </a:lvl1pPr>
           </a:lstStyle>
           <a:p>
-            <a:fld id="{17F2AD59-993B-47EC-90A0-917555D77EED}" type="datetimeFigureOut">
+            <a:fld id="{2720BED5-F1DB-4233-8469-C99F1BD85BAD}" type="datetimeFigureOut">
               <a:rPr lang="en-US" smtClean="0"/>
-              <a:t>11/28/16</a:t>
+              <a:t>11/29/16</a:t>
             </a:fld>
             <a:endParaRPr lang="en-US"/>
           </a:p>
@@ -2635,7 +2622,7 @@
             </a:lvl1pPr>
           </a:lstStyle>
           <a:p>
-            <a:fld id="{A997318A-6BBE-4081-B323-9279F53B44B9}" type="slidenum">
+            <a:fld id="{694386CA-4831-4B20-8212-F09F83C950D4}" type="slidenum">
               <a:rPr lang="en-US" smtClean="0"/>
               <a:t>‹#›</a:t>
             </a:fld>
@@ -2646,7 +2633,7 @@
     </p:spTree>
     <p:extLst>
       <p:ext uri="{BB962C8B-B14F-4D97-AF65-F5344CB8AC3E}">
-        <p14:creationId xmlns:p14="http://schemas.microsoft.com/office/powerpoint/2010/main" val="584744905"/>
+        <p14:creationId xmlns:p14="http://schemas.microsoft.com/office/powerpoint/2010/main" val="22318155"/>
       </p:ext>
     </p:extLst>
   </p:cSld>
@@ -2964,306 +2951,480 @@
           <a:chExt cx="0" cy="0"/>
         </a:xfrm>
       </p:grpSpPr>
-      <p:grpSp>
-        <p:nvGrpSpPr>
-          <p:cNvPr id="24" name="Group 23"/>
-          <p:cNvGrpSpPr/>
+      <p:cxnSp>
+        <p:nvCxnSpPr>
+          <p:cNvPr id="5" name="Straight Connector 4"/>
+          <p:cNvCxnSpPr>
+            <a:cxnSpLocks/>
+          </p:cNvCxnSpPr>
           <p:nvPr/>
-        </p:nvGrpSpPr>
-        <p:grpSpPr>
-          <a:xfrm>
-            <a:off x="1557130" y="1751017"/>
-            <a:ext cx="675861" cy="3987175"/>
-            <a:chOff x="1543878" y="1326947"/>
-            <a:chExt cx="675861" cy="3987175"/>
-          </a:xfrm>
-        </p:grpSpPr>
-        <p:cxnSp>
-          <p:nvCxnSpPr>
-            <p:cNvPr id="5" name="Straight Connector 4"/>
-            <p:cNvCxnSpPr/>
-            <p:nvPr/>
-          </p:nvCxnSpPr>
-          <p:spPr>
-            <a:xfrm>
-              <a:off x="1881809" y="1696279"/>
-              <a:ext cx="0" cy="3617843"/>
-            </a:xfrm>
-            <a:prstGeom prst="line">
-              <a:avLst/>
-            </a:prstGeom>
-          </p:spPr>
-          <p:style>
-            <a:lnRef idx="1">
-              <a:schemeClr val="accent1"/>
-            </a:lnRef>
-            <a:fillRef idx="0">
-              <a:schemeClr val="accent1"/>
-            </a:fillRef>
-            <a:effectRef idx="0">
-              <a:schemeClr val="accent1"/>
-            </a:effectRef>
-            <a:fontRef idx="minor">
-              <a:schemeClr val="tx1"/>
-            </a:fontRef>
-          </p:style>
-        </p:cxnSp>
-        <p:sp>
-          <p:nvSpPr>
-            <p:cNvPr id="9" name="TextBox 8"/>
-            <p:cNvSpPr txBox="1"/>
-            <p:nvPr/>
-          </p:nvSpPr>
-          <p:spPr>
-            <a:xfrm>
-              <a:off x="1543878" y="1326947"/>
-              <a:ext cx="675861" cy="369332"/>
-            </a:xfrm>
-            <a:prstGeom prst="rect">
-              <a:avLst/>
-            </a:prstGeom>
-            <a:noFill/>
-          </p:spPr>
-          <p:txBody>
-            <a:bodyPr wrap="square" rtlCol="0">
-              <a:spAutoFit/>
-            </a:bodyPr>
-            <a:lstStyle/>
-            <a:p>
-              <a:pPr algn="ctr"/>
-              <a:r>
-                <a:rPr lang="en-US" dirty="0"/>
-                <a:t>User</a:t>
-              </a:r>
-            </a:p>
-          </p:txBody>
-        </p:sp>
-      </p:grpSp>
-      <p:grpSp>
-        <p:nvGrpSpPr>
-          <p:cNvPr id="23" name="Group 22"/>
-          <p:cNvGrpSpPr/>
+        </p:nvCxnSpPr>
+        <p:spPr>
+          <a:xfrm>
+            <a:off x="1238865" y="980768"/>
+            <a:ext cx="0" cy="5427406"/>
+          </a:xfrm>
+          <a:prstGeom prst="line">
+            <a:avLst/>
+          </a:prstGeom>
+          <a:ln w="38100"/>
+        </p:spPr>
+        <p:style>
+          <a:lnRef idx="1">
+            <a:schemeClr val="accent1"/>
+          </a:lnRef>
+          <a:fillRef idx="0">
+            <a:schemeClr val="accent1"/>
+          </a:fillRef>
+          <a:effectRef idx="0">
+            <a:schemeClr val="accent1"/>
+          </a:effectRef>
+          <a:fontRef idx="minor">
+            <a:schemeClr val="tx1"/>
+          </a:fontRef>
+        </p:style>
+      </p:cxnSp>
+      <p:cxnSp>
+        <p:nvCxnSpPr>
+          <p:cNvPr id="8" name="Straight Connector 7"/>
+          <p:cNvCxnSpPr>
+            <a:cxnSpLocks/>
+          </p:cNvCxnSpPr>
           <p:nvPr/>
-        </p:nvGrpSpPr>
-        <p:grpSpPr>
-          <a:xfrm>
-            <a:off x="3874606" y="1455370"/>
-            <a:ext cx="1537253" cy="4282822"/>
-            <a:chOff x="3861354" y="1031300"/>
-            <a:chExt cx="1537253" cy="4282822"/>
-          </a:xfrm>
-        </p:grpSpPr>
-        <p:cxnSp>
-          <p:nvCxnSpPr>
-            <p:cNvPr id="6" name="Straight Connector 5"/>
-            <p:cNvCxnSpPr/>
-            <p:nvPr/>
-          </p:nvCxnSpPr>
-          <p:spPr>
-            <a:xfrm>
-              <a:off x="4618382" y="1696279"/>
-              <a:ext cx="0" cy="3617843"/>
-            </a:xfrm>
-            <a:prstGeom prst="line">
-              <a:avLst/>
-            </a:prstGeom>
-          </p:spPr>
-          <p:style>
-            <a:lnRef idx="1">
-              <a:schemeClr val="accent1"/>
-            </a:lnRef>
-            <a:fillRef idx="0">
-              <a:schemeClr val="accent1"/>
-            </a:fillRef>
-            <a:effectRef idx="0">
-              <a:schemeClr val="accent1"/>
-            </a:effectRef>
-            <a:fontRef idx="minor">
-              <a:schemeClr val="tx1"/>
-            </a:fontRef>
-          </p:style>
-        </p:cxnSp>
-        <p:sp>
-          <p:nvSpPr>
-            <p:cNvPr id="10" name="TextBox 9"/>
-            <p:cNvSpPr txBox="1"/>
-            <p:nvPr/>
-          </p:nvSpPr>
-          <p:spPr>
-            <a:xfrm>
-              <a:off x="3861354" y="1031300"/>
-              <a:ext cx="1537253" cy="646331"/>
-            </a:xfrm>
-            <a:prstGeom prst="rect">
-              <a:avLst/>
-            </a:prstGeom>
-            <a:noFill/>
-          </p:spPr>
-          <p:txBody>
-            <a:bodyPr wrap="square" rtlCol="0">
-              <a:spAutoFit/>
-            </a:bodyPr>
-            <a:lstStyle/>
-            <a:p>
-              <a:pPr algn="ctr"/>
-              <a:r>
-                <a:rPr lang="en-US" dirty="0"/>
-                <a:t>RB skype-integration</a:t>
-              </a:r>
-            </a:p>
-          </p:txBody>
-        </p:sp>
-      </p:grpSp>
-      <p:grpSp>
-        <p:nvGrpSpPr>
-          <p:cNvPr id="22" name="Group 21"/>
-          <p:cNvGrpSpPr/>
+        </p:nvCxnSpPr>
+        <p:spPr>
+          <a:xfrm>
+            <a:off x="10387781" y="980768"/>
+            <a:ext cx="0" cy="5427406"/>
+          </a:xfrm>
+          <a:prstGeom prst="line">
+            <a:avLst/>
+          </a:prstGeom>
+          <a:ln w="38100"/>
+        </p:spPr>
+        <p:style>
+          <a:lnRef idx="1">
+            <a:schemeClr val="accent1"/>
+          </a:lnRef>
+          <a:fillRef idx="0">
+            <a:schemeClr val="accent1"/>
+          </a:fillRef>
+          <a:effectRef idx="0">
+            <a:schemeClr val="accent1"/>
+          </a:effectRef>
+          <a:fontRef idx="minor">
+            <a:schemeClr val="tx1"/>
+          </a:fontRef>
+        </p:style>
+      </p:cxnSp>
+      <p:cxnSp>
+        <p:nvCxnSpPr>
+          <p:cNvPr id="9" name="Straight Connector 8"/>
+          <p:cNvCxnSpPr>
+            <a:cxnSpLocks/>
+          </p:cNvCxnSpPr>
           <p:nvPr/>
-        </p:nvGrpSpPr>
-        <p:grpSpPr>
-          <a:xfrm>
-            <a:off x="6682409" y="1621522"/>
-            <a:ext cx="1537253" cy="4037158"/>
-            <a:chOff x="6669157" y="1197452"/>
-            <a:chExt cx="1537253" cy="4037158"/>
-          </a:xfrm>
-        </p:grpSpPr>
-        <p:cxnSp>
-          <p:nvCxnSpPr>
-            <p:cNvPr id="7" name="Straight Connector 6"/>
-            <p:cNvCxnSpPr/>
-            <p:nvPr/>
-          </p:nvCxnSpPr>
-          <p:spPr>
-            <a:xfrm>
-              <a:off x="7437784" y="1616767"/>
-              <a:ext cx="0" cy="3617843"/>
-            </a:xfrm>
-            <a:prstGeom prst="line">
-              <a:avLst/>
-            </a:prstGeom>
-          </p:spPr>
-          <p:style>
-            <a:lnRef idx="1">
-              <a:schemeClr val="accent1"/>
-            </a:lnRef>
-            <a:fillRef idx="0">
-              <a:schemeClr val="accent1"/>
-            </a:fillRef>
-            <a:effectRef idx="0">
-              <a:schemeClr val="accent1"/>
-            </a:effectRef>
-            <a:fontRef idx="minor">
-              <a:schemeClr val="tx1"/>
-            </a:fontRef>
-          </p:style>
-        </p:cxnSp>
-        <p:sp>
-          <p:nvSpPr>
-            <p:cNvPr id="11" name="TextBox 10"/>
-            <p:cNvSpPr txBox="1"/>
-            <p:nvPr/>
-          </p:nvSpPr>
-          <p:spPr>
-            <a:xfrm>
-              <a:off x="6669157" y="1197452"/>
-              <a:ext cx="1537253" cy="369332"/>
-            </a:xfrm>
-            <a:prstGeom prst="rect">
-              <a:avLst/>
-            </a:prstGeom>
-            <a:noFill/>
-          </p:spPr>
-          <p:txBody>
-            <a:bodyPr wrap="square" rtlCol="0">
-              <a:spAutoFit/>
-            </a:bodyPr>
-            <a:lstStyle/>
-            <a:p>
-              <a:pPr algn="ctr"/>
-              <a:r>
-                <a:rPr lang="en-US" dirty="0"/>
-                <a:t>Bot server</a:t>
-              </a:r>
-            </a:p>
-          </p:txBody>
-        </p:sp>
-      </p:grpSp>
-      <p:grpSp>
-        <p:nvGrpSpPr>
-          <p:cNvPr id="25" name="Group 24"/>
-          <p:cNvGrpSpPr/>
+        </p:nvCxnSpPr>
+        <p:spPr>
+          <a:xfrm>
+            <a:off x="6007510" y="980768"/>
+            <a:ext cx="0" cy="5427406"/>
+          </a:xfrm>
+          <a:prstGeom prst="line">
+            <a:avLst/>
+          </a:prstGeom>
+          <a:ln w="38100"/>
+        </p:spPr>
+        <p:style>
+          <a:lnRef idx="1">
+            <a:schemeClr val="accent1"/>
+          </a:lnRef>
+          <a:fillRef idx="0">
+            <a:schemeClr val="accent1"/>
+          </a:fillRef>
+          <a:effectRef idx="0">
+            <a:schemeClr val="accent1"/>
+          </a:effectRef>
+          <a:fontRef idx="minor">
+            <a:schemeClr val="tx1"/>
+          </a:fontRef>
+        </p:style>
+      </p:cxnSp>
+      <p:sp>
+        <p:nvSpPr>
+          <p:cNvPr id="10" name="TextBox 9"/>
+          <p:cNvSpPr txBox="1"/>
           <p:nvPr/>
-        </p:nvGrpSpPr>
-        <p:grpSpPr>
-          <a:xfrm>
-            <a:off x="9501811" y="1650118"/>
-            <a:ext cx="1537253" cy="4026931"/>
-            <a:chOff x="9561445" y="1287191"/>
-            <a:chExt cx="1537253" cy="4026931"/>
-          </a:xfrm>
-        </p:grpSpPr>
-        <p:cxnSp>
-          <p:nvCxnSpPr>
-            <p:cNvPr id="8" name="Straight Connector 7"/>
-            <p:cNvCxnSpPr/>
-            <p:nvPr/>
-          </p:nvCxnSpPr>
-          <p:spPr>
-            <a:xfrm>
-              <a:off x="10330072" y="1696279"/>
-              <a:ext cx="0" cy="3617843"/>
-            </a:xfrm>
-            <a:prstGeom prst="line">
-              <a:avLst/>
-            </a:prstGeom>
-          </p:spPr>
-          <p:style>
-            <a:lnRef idx="1">
-              <a:schemeClr val="accent1"/>
-            </a:lnRef>
-            <a:fillRef idx="0">
-              <a:schemeClr val="accent1"/>
-            </a:fillRef>
-            <a:effectRef idx="0">
-              <a:schemeClr val="accent1"/>
-            </a:effectRef>
-            <a:fontRef idx="minor">
-              <a:schemeClr val="tx1"/>
-            </a:fontRef>
-          </p:style>
-        </p:cxnSp>
-        <p:sp>
-          <p:nvSpPr>
-            <p:cNvPr id="12" name="TextBox 11"/>
-            <p:cNvSpPr txBox="1"/>
-            <p:nvPr/>
-          </p:nvSpPr>
-          <p:spPr>
-            <a:xfrm>
-              <a:off x="9561445" y="1287191"/>
-              <a:ext cx="1537253" cy="369332"/>
-            </a:xfrm>
-            <a:prstGeom prst="rect">
-              <a:avLst/>
-            </a:prstGeom>
-            <a:noFill/>
-          </p:spPr>
-          <p:txBody>
-            <a:bodyPr wrap="square" rtlCol="0">
-              <a:spAutoFit/>
-            </a:bodyPr>
-            <a:lstStyle/>
-            <a:p>
-              <a:pPr algn="ctr"/>
-              <a:r>
-                <a:rPr lang="en-US" dirty="0"/>
-                <a:t>Skype</a:t>
-              </a:r>
-            </a:p>
-          </p:txBody>
-        </p:sp>
-      </p:grpSp>
+        </p:nvSpPr>
+        <p:spPr>
+          <a:xfrm>
+            <a:off x="921775" y="309716"/>
+            <a:ext cx="907025" cy="369332"/>
+          </a:xfrm>
+          <a:prstGeom prst="rect">
+            <a:avLst/>
+          </a:prstGeom>
+          <a:noFill/>
+        </p:spPr>
+        <p:txBody>
+          <a:bodyPr wrap="square" rtlCol="0">
+            <a:spAutoFit/>
+          </a:bodyPr>
+          <a:lstStyle/>
+          <a:p>
+            <a:r>
+              <a:rPr lang="en-US" dirty="0"/>
+              <a:t>User</a:t>
+            </a:r>
+          </a:p>
+        </p:txBody>
+      </p:sp>
+      <p:sp>
+        <p:nvSpPr>
+          <p:cNvPr id="11" name="TextBox 10"/>
+          <p:cNvSpPr txBox="1"/>
+          <p:nvPr/>
+        </p:nvSpPr>
+        <p:spPr>
+          <a:xfrm>
+            <a:off x="9699523" y="309716"/>
+            <a:ext cx="1514167" cy="369332"/>
+          </a:xfrm>
+          <a:prstGeom prst="rect">
+            <a:avLst/>
+          </a:prstGeom>
+          <a:noFill/>
+        </p:spPr>
+        <p:txBody>
+          <a:bodyPr wrap="square" rtlCol="0">
+            <a:spAutoFit/>
+          </a:bodyPr>
+          <a:lstStyle/>
+          <a:p>
+            <a:r>
+              <a:rPr lang="en-US" dirty="0" err="1"/>
+              <a:t>ReviewBoard</a:t>
+            </a:r>
+            <a:r>
+              <a:rPr lang="en-US" dirty="0"/>
+              <a:t> </a:t>
+            </a:r>
+          </a:p>
+        </p:txBody>
+      </p:sp>
+      <p:sp>
+        <p:nvSpPr>
+          <p:cNvPr id="12" name="TextBox 11"/>
+          <p:cNvSpPr txBox="1"/>
+          <p:nvPr/>
+        </p:nvSpPr>
+        <p:spPr>
+          <a:xfrm>
+            <a:off x="5385620" y="309716"/>
+            <a:ext cx="1514167" cy="369332"/>
+          </a:xfrm>
+          <a:prstGeom prst="rect">
+            <a:avLst/>
+          </a:prstGeom>
+          <a:noFill/>
+        </p:spPr>
+        <p:txBody>
+          <a:bodyPr wrap="square" rtlCol="0">
+            <a:spAutoFit/>
+          </a:bodyPr>
+          <a:lstStyle/>
+          <a:p>
+            <a:r>
+              <a:rPr lang="en-US" dirty="0"/>
+              <a:t>Bot</a:t>
+            </a:r>
+          </a:p>
+        </p:txBody>
+      </p:sp>
+    </p:spTree>
+    <p:extLst>
+      <p:ext uri="{BB962C8B-B14F-4D97-AF65-F5344CB8AC3E}">
+        <p14:creationId xmlns:p14="http://schemas.microsoft.com/office/powerpoint/2010/main" val="3248198943"/>
+      </p:ext>
+    </p:extLst>
+  </p:cSld>
+  <p:clrMapOvr>
+    <a:masterClrMapping/>
+  </p:clrMapOvr>
+</p:sld>
+</file>
+
+<file path=ppt/slides/slide2.xml><?xml version="1.0" encoding="utf-8"?>
+<p:sld xmlns:a="http://schemas.openxmlformats.org/drawingml/2006/main" xmlns:r="http://schemas.openxmlformats.org/officeDocument/2006/relationships" xmlns:p="http://schemas.openxmlformats.org/presentationml/2006/main">
+  <p:cSld>
+    <p:spTree>
+      <p:nvGrpSpPr>
+        <p:cNvPr id="1" name=""/>
+        <p:cNvGrpSpPr/>
+        <p:nvPr/>
+      </p:nvGrpSpPr>
+      <p:grpSpPr>
+        <a:xfrm>
+          <a:off x="0" y="0"/>
+          <a:ext cx="0" cy="0"/>
+          <a:chOff x="0" y="0"/>
+          <a:chExt cx="0" cy="0"/>
+        </a:xfrm>
+      </p:grpSpPr>
+      <p:cxnSp>
+        <p:nvCxnSpPr>
+          <p:cNvPr id="5" name="Straight Connector 4"/>
+          <p:cNvCxnSpPr>
+            <a:cxnSpLocks/>
+          </p:cNvCxnSpPr>
+          <p:nvPr/>
+        </p:nvCxnSpPr>
+        <p:spPr>
+          <a:xfrm>
+            <a:off x="1238865" y="1041360"/>
+            <a:ext cx="0" cy="5427406"/>
+          </a:xfrm>
+          <a:prstGeom prst="line">
+            <a:avLst/>
+          </a:prstGeom>
+          <a:ln w="38100"/>
+        </p:spPr>
+        <p:style>
+          <a:lnRef idx="1">
+            <a:schemeClr val="accent1"/>
+          </a:lnRef>
+          <a:fillRef idx="0">
+            <a:schemeClr val="accent1"/>
+          </a:fillRef>
+          <a:effectRef idx="0">
+            <a:schemeClr val="accent1"/>
+          </a:effectRef>
+          <a:fontRef idx="minor">
+            <a:schemeClr val="tx1"/>
+          </a:fontRef>
+        </p:style>
+      </p:cxnSp>
+      <p:cxnSp>
+        <p:nvCxnSpPr>
+          <p:cNvPr id="9" name="Straight Connector 8"/>
+          <p:cNvCxnSpPr>
+            <a:cxnSpLocks/>
+          </p:cNvCxnSpPr>
+          <p:nvPr/>
+        </p:nvCxnSpPr>
+        <p:spPr>
+          <a:xfrm>
+            <a:off x="9453076" y="842346"/>
+            <a:ext cx="0" cy="5427406"/>
+          </a:xfrm>
+          <a:prstGeom prst="line">
+            <a:avLst/>
+          </a:prstGeom>
+          <a:ln w="38100"/>
+        </p:spPr>
+        <p:style>
+          <a:lnRef idx="1">
+            <a:schemeClr val="accent1"/>
+          </a:lnRef>
+          <a:fillRef idx="0">
+            <a:schemeClr val="accent1"/>
+          </a:fillRef>
+          <a:effectRef idx="0">
+            <a:schemeClr val="accent1"/>
+          </a:effectRef>
+          <a:fontRef idx="minor">
+            <a:schemeClr val="tx1"/>
+          </a:fontRef>
+        </p:style>
+      </p:cxnSp>
+      <p:sp>
+        <p:nvSpPr>
+          <p:cNvPr id="10" name="TextBox 9"/>
+          <p:cNvSpPr txBox="1"/>
+          <p:nvPr/>
+        </p:nvSpPr>
+        <p:spPr>
+          <a:xfrm>
+            <a:off x="921775" y="565347"/>
+            <a:ext cx="907025" cy="369332"/>
+          </a:xfrm>
+          <a:prstGeom prst="rect">
+            <a:avLst/>
+          </a:prstGeom>
+          <a:noFill/>
+        </p:spPr>
+        <p:txBody>
+          <a:bodyPr wrap="square" rtlCol="0">
+            <a:spAutoFit/>
+          </a:bodyPr>
+          <a:lstStyle/>
+          <a:p>
+            <a:r>
+              <a:rPr lang="en-US" dirty="0"/>
+              <a:t>User</a:t>
+            </a:r>
+          </a:p>
+        </p:txBody>
+      </p:sp>
+      <p:sp>
+        <p:nvSpPr>
+          <p:cNvPr id="12" name="TextBox 11"/>
+          <p:cNvSpPr txBox="1"/>
+          <p:nvPr/>
+        </p:nvSpPr>
+        <p:spPr>
+          <a:xfrm>
+            <a:off x="8695992" y="401894"/>
+            <a:ext cx="1514167" cy="369332"/>
+          </a:xfrm>
+          <a:prstGeom prst="rect">
+            <a:avLst/>
+          </a:prstGeom>
+          <a:noFill/>
+        </p:spPr>
+        <p:txBody>
+          <a:bodyPr wrap="square" rtlCol="0">
+            <a:spAutoFit/>
+          </a:bodyPr>
+          <a:lstStyle/>
+          <a:p>
+            <a:pPr algn="ctr"/>
+            <a:r>
+              <a:rPr lang="en-US" dirty="0"/>
+              <a:t>Bot</a:t>
+            </a:r>
+          </a:p>
+        </p:txBody>
+      </p:sp>
+      <p:cxnSp>
+        <p:nvCxnSpPr>
+          <p:cNvPr id="3" name="Straight Arrow Connector 2"/>
+          <p:cNvCxnSpPr/>
+          <p:nvPr/>
+        </p:nvCxnSpPr>
+        <p:spPr>
+          <a:xfrm>
+            <a:off x="1633115" y="2077064"/>
+            <a:ext cx="7537389" cy="0"/>
+          </a:xfrm>
+          <a:prstGeom prst="straightConnector1">
+            <a:avLst/>
+          </a:prstGeom>
+          <a:ln w="76200">
+            <a:tailEnd type="triangle"/>
+          </a:ln>
+        </p:spPr>
+        <p:style>
+          <a:lnRef idx="1">
+            <a:schemeClr val="accent1"/>
+          </a:lnRef>
+          <a:fillRef idx="0">
+            <a:schemeClr val="accent1"/>
+          </a:fillRef>
+          <a:effectRef idx="0">
+            <a:schemeClr val="accent1"/>
+          </a:effectRef>
+          <a:fontRef idx="minor">
+            <a:schemeClr val="tx1"/>
+          </a:fontRef>
+        </p:style>
+      </p:cxnSp>
+      <p:sp>
+        <p:nvSpPr>
+          <p:cNvPr id="4" name="TextBox 3"/>
+          <p:cNvSpPr txBox="1"/>
+          <p:nvPr/>
+        </p:nvSpPr>
+        <p:spPr>
+          <a:xfrm>
+            <a:off x="4335706" y="1663964"/>
+            <a:ext cx="2610465" cy="369332"/>
+          </a:xfrm>
+          <a:prstGeom prst="rect">
+            <a:avLst/>
+          </a:prstGeom>
+          <a:noFill/>
+        </p:spPr>
+        <p:txBody>
+          <a:bodyPr wrap="square" rtlCol="0">
+            <a:spAutoFit/>
+          </a:bodyPr>
+          <a:lstStyle/>
+          <a:p>
+            <a:r>
+              <a:rPr lang="en-US" dirty="0"/>
+              <a:t>Send 1</a:t>
+            </a:r>
+            <a:r>
+              <a:rPr lang="en-US" baseline="30000" dirty="0"/>
+              <a:t>st</a:t>
+            </a:r>
+            <a:r>
+              <a:rPr lang="en-US" dirty="0"/>
+              <a:t> message to bot</a:t>
+            </a:r>
+          </a:p>
+        </p:txBody>
+      </p:sp>
+      <p:sp>
+        <p:nvSpPr>
+          <p:cNvPr id="7" name="TextBox 6"/>
+          <p:cNvSpPr txBox="1"/>
+          <p:nvPr/>
+        </p:nvSpPr>
+        <p:spPr>
+          <a:xfrm>
+            <a:off x="0" y="32562"/>
+            <a:ext cx="2109019" cy="369332"/>
+          </a:xfrm>
+          <a:prstGeom prst="rect">
+            <a:avLst/>
+          </a:prstGeom>
+          <a:noFill/>
+        </p:spPr>
+        <p:txBody>
+          <a:bodyPr wrap="square" rtlCol="0">
+            <a:spAutoFit/>
+          </a:bodyPr>
+          <a:lstStyle/>
+          <a:p>
+            <a:r>
+              <a:rPr lang="en-US" b="1" dirty="0"/>
+              <a:t>Initial interaction</a:t>
+            </a:r>
+          </a:p>
+        </p:txBody>
+      </p:sp>
+      <p:sp>
+        <p:nvSpPr>
+          <p:cNvPr id="16" name="TextBox 15"/>
+          <p:cNvSpPr txBox="1"/>
+          <p:nvPr/>
+        </p:nvSpPr>
+        <p:spPr>
+          <a:xfrm>
+            <a:off x="2826142" y="4378044"/>
+            <a:ext cx="5151333" cy="369332"/>
+          </a:xfrm>
+          <a:prstGeom prst="rect">
+            <a:avLst/>
+          </a:prstGeom>
+          <a:noFill/>
+        </p:spPr>
+        <p:txBody>
+          <a:bodyPr wrap="square" rtlCol="0">
+            <a:spAutoFit/>
+          </a:bodyPr>
+          <a:lstStyle/>
+          <a:p>
+            <a:pPr algn="ctr"/>
+            <a:r>
+              <a:rPr lang="en-US" dirty="0"/>
+              <a:t>Bot sends back a new unique URL</a:t>
+            </a:r>
+          </a:p>
+        </p:txBody>
+      </p:sp>
       <p:cxnSp>
         <p:nvCxnSpPr>
           <p:cNvPr id="17" name="Straight Arrow Connector 16"/>
@@ -3271,14 +3432,14 @@
           <p:nvPr/>
         </p:nvCxnSpPr>
         <p:spPr>
-          <a:xfrm>
-            <a:off x="1895060" y="2915482"/>
-            <a:ext cx="2736574" cy="0"/>
+          <a:xfrm flipH="1">
+            <a:off x="1519082" y="4747376"/>
+            <a:ext cx="7651422" cy="0"/>
           </a:xfrm>
           <a:prstGeom prst="straightConnector1">
             <a:avLst/>
           </a:prstGeom>
-          <a:ln>
+          <a:ln w="76200">
             <a:tailEnd type="triangle"/>
           </a:ln>
         </p:spPr>
@@ -3299,14 +3460,14 @@
       </p:cxnSp>
       <p:sp>
         <p:nvSpPr>
-          <p:cNvPr id="18" name="TextBox 17"/>
+          <p:cNvPr id="11" name="TextBox 10"/>
           <p:cNvSpPr txBox="1"/>
           <p:nvPr/>
         </p:nvSpPr>
         <p:spPr>
           <a:xfrm>
-            <a:off x="2087217" y="2319135"/>
-            <a:ext cx="1775793" cy="646331"/>
+            <a:off x="2826142" y="4747376"/>
+            <a:ext cx="5151333" cy="369332"/>
           </a:xfrm>
           <a:prstGeom prst="rect">
             <a:avLst/>
@@ -3319,30 +3480,66 @@
           </a:bodyPr>
           <a:lstStyle/>
           <a:p>
+            <a:pPr algn="ctr"/>
             <a:r>
               <a:rPr lang="en-US" dirty="0"/>
-              <a:t>1. Types in skype user addresses</a:t>
-            </a:r>
-          </a:p>
-        </p:txBody>
-      </p:sp>
+              <a:t>that includes a conversation id and </a:t>
+            </a:r>
+            <a:r>
+              <a:rPr lang="en-US"/>
+              <a:t>a channel id</a:t>
+            </a:r>
+            <a:endParaRPr lang="en-US" dirty="0"/>
+          </a:p>
+        </p:txBody>
+      </p:sp>
+    </p:spTree>
+    <p:extLst>
+      <p:ext uri="{BB962C8B-B14F-4D97-AF65-F5344CB8AC3E}">
+        <p14:creationId xmlns:p14="http://schemas.microsoft.com/office/powerpoint/2010/main" val="828466624"/>
+      </p:ext>
+    </p:extLst>
+  </p:cSld>
+  <p:clrMapOvr>
+    <a:masterClrMapping/>
+  </p:clrMapOvr>
+</p:sld>
+</file>
+
+<file path=ppt/slides/slide3.xml><?xml version="1.0" encoding="utf-8"?>
+<p:sld xmlns:a="http://schemas.openxmlformats.org/drawingml/2006/main" xmlns:r="http://schemas.openxmlformats.org/officeDocument/2006/relationships" xmlns:p="http://schemas.openxmlformats.org/presentationml/2006/main">
+  <p:cSld>
+    <p:spTree>
+      <p:nvGrpSpPr>
+        <p:cNvPr id="1" name=""/>
+        <p:cNvGrpSpPr/>
+        <p:nvPr/>
+      </p:nvGrpSpPr>
+      <p:grpSpPr>
+        <a:xfrm>
+          <a:off x="0" y="0"/>
+          <a:ext cx="0" cy="0"/>
+          <a:chOff x="0" y="0"/>
+          <a:chExt cx="0" cy="0"/>
+        </a:xfrm>
+      </p:grpSpPr>
       <p:cxnSp>
         <p:nvCxnSpPr>
-          <p:cNvPr id="20" name="Straight Arrow Connector 19"/>
-          <p:cNvCxnSpPr/>
+          <p:cNvPr id="5" name="Straight Connector 4"/>
+          <p:cNvCxnSpPr>
+            <a:cxnSpLocks/>
+          </p:cNvCxnSpPr>
           <p:nvPr/>
         </p:nvCxnSpPr>
         <p:spPr>
           <a:xfrm>
-            <a:off x="4634946" y="3120891"/>
-            <a:ext cx="2816089" cy="0"/>
-          </a:xfrm>
-          <a:prstGeom prst="straightConnector1">
+            <a:off x="1238865" y="1041360"/>
+            <a:ext cx="0" cy="5427406"/>
+          </a:xfrm>
+          <a:prstGeom prst="line">
             <a:avLst/>
           </a:prstGeom>
-          <a:ln>
-            <a:tailEnd type="triangle"/>
-          </a:ln>
+          <a:ln w="38100"/>
         </p:spPr>
         <p:style>
           <a:lnRef idx="1">
@@ -3359,60 +3556,23 @@
           </a:fontRef>
         </p:style>
       </p:cxnSp>
-      <p:sp>
-        <p:nvSpPr>
-          <p:cNvPr id="21" name="TextBox 20"/>
-          <p:cNvSpPr txBox="1"/>
+      <p:cxnSp>
+        <p:nvCxnSpPr>
+          <p:cNvPr id="9" name="Straight Connector 8"/>
+          <p:cNvCxnSpPr>
+            <a:cxnSpLocks/>
+          </p:cNvCxnSpPr>
           <p:nvPr/>
-        </p:nvSpPr>
-        <p:spPr>
-          <a:xfrm>
-            <a:off x="4827103" y="2524544"/>
-            <a:ext cx="2203174" cy="646331"/>
-          </a:xfrm>
-          <a:prstGeom prst="rect">
+        </p:nvCxnSpPr>
+        <p:spPr>
+          <a:xfrm>
+            <a:off x="9453076" y="842346"/>
+            <a:ext cx="0" cy="5427406"/>
+          </a:xfrm>
+          <a:prstGeom prst="line">
             <a:avLst/>
           </a:prstGeom>
-          <a:noFill/>
-        </p:spPr>
-        <p:txBody>
-          <a:bodyPr wrap="square" rtlCol="0">
-            <a:spAutoFit/>
-          </a:bodyPr>
-          <a:lstStyle/>
-          <a:p>
-            <a:r>
-              <a:rPr lang="en-US" dirty="0"/>
-              <a:t>2. Send POST request with user address(</a:t>
-            </a:r>
-            <a:r>
-              <a:rPr lang="en-US" dirty="0" err="1"/>
-              <a:t>es</a:t>
-            </a:r>
-            <a:r>
-              <a:rPr lang="en-US" dirty="0"/>
-              <a:t>) </a:t>
-            </a:r>
-          </a:p>
-        </p:txBody>
-      </p:sp>
-      <p:cxnSp>
-        <p:nvCxnSpPr>
-          <p:cNvPr id="27" name="Straight Arrow Connector 26"/>
-          <p:cNvCxnSpPr/>
-          <p:nvPr/>
-        </p:nvCxnSpPr>
-        <p:spPr>
-          <a:xfrm>
-            <a:off x="7451035" y="3511829"/>
-            <a:ext cx="2816089" cy="0"/>
-          </a:xfrm>
-          <a:prstGeom prst="straightConnector1">
-            <a:avLst/>
-          </a:prstGeom>
-          <a:ln>
-            <a:tailEnd type="triangle"/>
-          </a:ln>
+          <a:ln w="38100"/>
         </p:spPr>
         <p:style>
           <a:lnRef idx="1">
@@ -3431,14 +3591,14 @@
       </p:cxnSp>
       <p:sp>
         <p:nvSpPr>
-          <p:cNvPr id="28" name="TextBox 27"/>
+          <p:cNvPr id="10" name="TextBox 9"/>
           <p:cNvSpPr txBox="1"/>
           <p:nvPr/>
         </p:nvSpPr>
         <p:spPr>
           <a:xfrm>
-            <a:off x="7757492" y="3540425"/>
-            <a:ext cx="2203174" cy="923330"/>
+            <a:off x="921775" y="565347"/>
+            <a:ext cx="907025" cy="369332"/>
           </a:xfrm>
           <a:prstGeom prst="rect">
             <a:avLst/>
@@ -3453,21 +3613,21 @@
           <a:p>
             <a:r>
               <a:rPr lang="en-US" dirty="0"/>
-              <a:t>3. Send messages to user(s) defined in the request</a:t>
-            </a:r>
-          </a:p>
-        </p:txBody>
-      </p:sp>
-      <p:sp>
-        <p:nvSpPr>
-          <p:cNvPr id="29" name="TextBox 28"/>
+              <a:t>User</a:t>
+            </a:r>
+          </a:p>
+        </p:txBody>
+      </p:sp>
+      <p:sp>
+        <p:nvSpPr>
+          <p:cNvPr id="12" name="TextBox 11"/>
           <p:cNvSpPr txBox="1"/>
           <p:nvPr/>
         </p:nvSpPr>
         <p:spPr>
           <a:xfrm>
-            <a:off x="3470415" y="389798"/>
-            <a:ext cx="5024228" cy="584775"/>
+            <a:off x="8695992" y="401894"/>
+            <a:ext cx="1514167" cy="369332"/>
           </a:xfrm>
           <a:prstGeom prst="rect">
             <a:avLst/>
@@ -3482,8 +3642,123 @@
           <a:p>
             <a:pPr algn="ctr"/>
             <a:r>
-              <a:rPr lang="en-US" sz="3200" b="1" dirty="0"/>
-              <a:t>SETUP NOTIFICATION</a:t>
+              <a:rPr lang="en-US" dirty="0" err="1"/>
+              <a:t>ReviewBoard</a:t>
+            </a:r>
+            <a:endParaRPr lang="en-US" dirty="0"/>
+          </a:p>
+        </p:txBody>
+      </p:sp>
+      <p:cxnSp>
+        <p:nvCxnSpPr>
+          <p:cNvPr id="3" name="Straight Arrow Connector 2"/>
+          <p:cNvCxnSpPr/>
+          <p:nvPr/>
+        </p:nvCxnSpPr>
+        <p:spPr>
+          <a:xfrm>
+            <a:off x="1633115" y="2077064"/>
+            <a:ext cx="7537389" cy="0"/>
+          </a:xfrm>
+          <a:prstGeom prst="straightConnector1">
+            <a:avLst/>
+          </a:prstGeom>
+          <a:ln w="76200">
+            <a:tailEnd type="triangle"/>
+          </a:ln>
+        </p:spPr>
+        <p:style>
+          <a:lnRef idx="1">
+            <a:schemeClr val="accent1"/>
+          </a:lnRef>
+          <a:fillRef idx="0">
+            <a:schemeClr val="accent1"/>
+          </a:fillRef>
+          <a:effectRef idx="0">
+            <a:schemeClr val="accent1"/>
+          </a:effectRef>
+          <a:fontRef idx="minor">
+            <a:schemeClr val="tx1"/>
+          </a:fontRef>
+        </p:style>
+      </p:cxnSp>
+      <p:sp>
+        <p:nvSpPr>
+          <p:cNvPr id="11" name="TextBox 10"/>
+          <p:cNvSpPr txBox="1"/>
+          <p:nvPr/>
+        </p:nvSpPr>
+        <p:spPr>
+          <a:xfrm>
+            <a:off x="0" y="32562"/>
+            <a:ext cx="4151671" cy="369332"/>
+          </a:xfrm>
+          <a:prstGeom prst="rect">
+            <a:avLst/>
+          </a:prstGeom>
+          <a:noFill/>
+        </p:spPr>
+        <p:txBody>
+          <a:bodyPr wrap="square" rtlCol="0">
+            <a:spAutoFit/>
+          </a:bodyPr>
+          <a:lstStyle/>
+          <a:p>
+            <a:r>
+              <a:rPr lang="en-US" b="1" dirty="0"/>
+              <a:t>User and </a:t>
+            </a:r>
+            <a:r>
+              <a:rPr lang="en-US" b="1" dirty="0" err="1"/>
+              <a:t>ReviewBoard</a:t>
+            </a:r>
+            <a:r>
+              <a:rPr lang="en-US" b="1" dirty="0"/>
+              <a:t> Interaction</a:t>
+            </a:r>
+          </a:p>
+        </p:txBody>
+      </p:sp>
+      <p:sp>
+        <p:nvSpPr>
+          <p:cNvPr id="13" name="TextBox 12"/>
+          <p:cNvSpPr txBox="1"/>
+          <p:nvPr/>
+        </p:nvSpPr>
+        <p:spPr>
+          <a:xfrm>
+            <a:off x="2426082" y="2203787"/>
+            <a:ext cx="5839777" cy="1200329"/>
+          </a:xfrm>
+          <a:prstGeom prst="rect">
+            <a:avLst/>
+          </a:prstGeom>
+          <a:noFill/>
+        </p:spPr>
+        <p:txBody>
+          <a:bodyPr wrap="square" rtlCol="0">
+            <a:spAutoFit/>
+          </a:bodyPr>
+          <a:lstStyle/>
+          <a:p>
+            <a:r>
+              <a:rPr lang="en-US" dirty="0"/>
+              <a:t>Create new integration</a:t>
+            </a:r>
+          </a:p>
+          <a:p>
+            <a:r>
+              <a:rPr lang="en-US" dirty="0"/>
+              <a:t>+ Action filters (review request, code changed, etc.)</a:t>
+            </a:r>
+          </a:p>
+          <a:p>
+            <a:endParaRPr lang="en-US" dirty="0"/>
+          </a:p>
+          <a:p>
+            <a:r>
+              <a:rPr lang="en-US" dirty="0"/>
+              <a:t>Edit and remove integration</a:t>
             </a:r>
           </a:p>
         </p:txBody>
@@ -3491,7 +3766,477 @@
     </p:spTree>
     <p:extLst>
       <p:ext uri="{BB962C8B-B14F-4D97-AF65-F5344CB8AC3E}">
-        <p14:creationId xmlns:p14="http://schemas.microsoft.com/office/powerpoint/2010/main" val="262014625"/>
+        <p14:creationId xmlns:p14="http://schemas.microsoft.com/office/powerpoint/2010/main" val="645351926"/>
+      </p:ext>
+    </p:extLst>
+  </p:cSld>
+  <p:clrMapOvr>
+    <a:masterClrMapping/>
+  </p:clrMapOvr>
+</p:sld>
+</file>
+
+<file path=ppt/slides/slide4.xml><?xml version="1.0" encoding="utf-8"?>
+<p:sld xmlns:a="http://schemas.openxmlformats.org/drawingml/2006/main" xmlns:r="http://schemas.openxmlformats.org/officeDocument/2006/relationships" xmlns:p="http://schemas.openxmlformats.org/presentationml/2006/main">
+  <p:cSld>
+    <p:spTree>
+      <p:nvGrpSpPr>
+        <p:cNvPr id="1" name=""/>
+        <p:cNvGrpSpPr/>
+        <p:nvPr/>
+      </p:nvGrpSpPr>
+      <p:grpSpPr>
+        <a:xfrm>
+          <a:off x="0" y="0"/>
+          <a:ext cx="0" cy="0"/>
+          <a:chOff x="0" y="0"/>
+          <a:chExt cx="0" cy="0"/>
+        </a:xfrm>
+      </p:grpSpPr>
+      <p:cxnSp>
+        <p:nvCxnSpPr>
+          <p:cNvPr id="5" name="Straight Connector 4"/>
+          <p:cNvCxnSpPr>
+            <a:cxnSpLocks/>
+          </p:cNvCxnSpPr>
+          <p:nvPr/>
+        </p:nvCxnSpPr>
+        <p:spPr>
+          <a:xfrm>
+            <a:off x="1238865" y="980768"/>
+            <a:ext cx="0" cy="5427406"/>
+          </a:xfrm>
+          <a:prstGeom prst="line">
+            <a:avLst/>
+          </a:prstGeom>
+          <a:ln w="38100"/>
+        </p:spPr>
+        <p:style>
+          <a:lnRef idx="1">
+            <a:schemeClr val="accent1"/>
+          </a:lnRef>
+          <a:fillRef idx="0">
+            <a:schemeClr val="accent1"/>
+          </a:fillRef>
+          <a:effectRef idx="0">
+            <a:schemeClr val="accent1"/>
+          </a:effectRef>
+          <a:fontRef idx="minor">
+            <a:schemeClr val="tx1"/>
+          </a:fontRef>
+        </p:style>
+      </p:cxnSp>
+      <p:cxnSp>
+        <p:nvCxnSpPr>
+          <p:cNvPr id="8" name="Straight Connector 7"/>
+          <p:cNvCxnSpPr>
+            <a:cxnSpLocks/>
+          </p:cNvCxnSpPr>
+          <p:nvPr/>
+        </p:nvCxnSpPr>
+        <p:spPr>
+          <a:xfrm>
+            <a:off x="10387781" y="980768"/>
+            <a:ext cx="0" cy="5427406"/>
+          </a:xfrm>
+          <a:prstGeom prst="line">
+            <a:avLst/>
+          </a:prstGeom>
+          <a:ln w="38100"/>
+        </p:spPr>
+        <p:style>
+          <a:lnRef idx="1">
+            <a:schemeClr val="accent1"/>
+          </a:lnRef>
+          <a:fillRef idx="0">
+            <a:schemeClr val="accent1"/>
+          </a:fillRef>
+          <a:effectRef idx="0">
+            <a:schemeClr val="accent1"/>
+          </a:effectRef>
+          <a:fontRef idx="minor">
+            <a:schemeClr val="tx1"/>
+          </a:fontRef>
+        </p:style>
+      </p:cxnSp>
+      <p:cxnSp>
+        <p:nvCxnSpPr>
+          <p:cNvPr id="9" name="Straight Connector 8"/>
+          <p:cNvCxnSpPr>
+            <a:cxnSpLocks/>
+          </p:cNvCxnSpPr>
+          <p:nvPr/>
+        </p:nvCxnSpPr>
+        <p:spPr>
+          <a:xfrm>
+            <a:off x="6007510" y="980768"/>
+            <a:ext cx="0" cy="5427406"/>
+          </a:xfrm>
+          <a:prstGeom prst="line">
+            <a:avLst/>
+          </a:prstGeom>
+          <a:ln w="38100"/>
+        </p:spPr>
+        <p:style>
+          <a:lnRef idx="1">
+            <a:schemeClr val="accent1"/>
+          </a:lnRef>
+          <a:fillRef idx="0">
+            <a:schemeClr val="accent1"/>
+          </a:fillRef>
+          <a:effectRef idx="0">
+            <a:schemeClr val="accent1"/>
+          </a:effectRef>
+          <a:fontRef idx="minor">
+            <a:schemeClr val="tx1"/>
+          </a:fontRef>
+        </p:style>
+      </p:cxnSp>
+      <p:sp>
+        <p:nvSpPr>
+          <p:cNvPr id="10" name="TextBox 9"/>
+          <p:cNvSpPr txBox="1"/>
+          <p:nvPr/>
+        </p:nvSpPr>
+        <p:spPr>
+          <a:xfrm>
+            <a:off x="785352" y="586977"/>
+            <a:ext cx="907025" cy="369332"/>
+          </a:xfrm>
+          <a:prstGeom prst="rect">
+            <a:avLst/>
+          </a:prstGeom>
+          <a:noFill/>
+        </p:spPr>
+        <p:txBody>
+          <a:bodyPr wrap="square" rtlCol="0">
+            <a:spAutoFit/>
+          </a:bodyPr>
+          <a:lstStyle/>
+          <a:p>
+            <a:pPr algn="ctr"/>
+            <a:r>
+              <a:rPr lang="en-US" dirty="0"/>
+              <a:t>User</a:t>
+            </a:r>
+          </a:p>
+        </p:txBody>
+      </p:sp>
+      <p:sp>
+        <p:nvSpPr>
+          <p:cNvPr id="11" name="TextBox 10"/>
+          <p:cNvSpPr txBox="1"/>
+          <p:nvPr/>
+        </p:nvSpPr>
+        <p:spPr>
+          <a:xfrm>
+            <a:off x="9630697" y="549525"/>
+            <a:ext cx="1514167" cy="369332"/>
+          </a:xfrm>
+          <a:prstGeom prst="rect">
+            <a:avLst/>
+          </a:prstGeom>
+          <a:noFill/>
+        </p:spPr>
+        <p:txBody>
+          <a:bodyPr wrap="square" rtlCol="0">
+            <a:spAutoFit/>
+          </a:bodyPr>
+          <a:lstStyle/>
+          <a:p>
+            <a:pPr algn="ctr"/>
+            <a:r>
+              <a:rPr lang="en-US" dirty="0" err="1"/>
+              <a:t>ReviewBoard</a:t>
+            </a:r>
+            <a:r>
+              <a:rPr lang="en-US" dirty="0"/>
+              <a:t> </a:t>
+            </a:r>
+          </a:p>
+        </p:txBody>
+      </p:sp>
+      <p:sp>
+        <p:nvSpPr>
+          <p:cNvPr id="12" name="TextBox 11"/>
+          <p:cNvSpPr txBox="1"/>
+          <p:nvPr/>
+        </p:nvSpPr>
+        <p:spPr>
+          <a:xfrm>
+            <a:off x="5606846" y="549525"/>
+            <a:ext cx="801328" cy="369332"/>
+          </a:xfrm>
+          <a:prstGeom prst="rect">
+            <a:avLst/>
+          </a:prstGeom>
+          <a:noFill/>
+        </p:spPr>
+        <p:txBody>
+          <a:bodyPr wrap="square" rtlCol="0">
+            <a:spAutoFit/>
+          </a:bodyPr>
+          <a:lstStyle/>
+          <a:p>
+            <a:pPr algn="ctr"/>
+            <a:r>
+              <a:rPr lang="en-US" dirty="0"/>
+              <a:t>Bot</a:t>
+            </a:r>
+          </a:p>
+        </p:txBody>
+      </p:sp>
+      <p:cxnSp>
+        <p:nvCxnSpPr>
+          <p:cNvPr id="13" name="Straight Arrow Connector 12"/>
+          <p:cNvCxnSpPr>
+            <a:cxnSpLocks/>
+          </p:cNvCxnSpPr>
+          <p:nvPr/>
+        </p:nvCxnSpPr>
+        <p:spPr>
+          <a:xfrm>
+            <a:off x="1519084" y="2253075"/>
+            <a:ext cx="8745795" cy="0"/>
+          </a:xfrm>
+          <a:prstGeom prst="straightConnector1">
+            <a:avLst/>
+          </a:prstGeom>
+          <a:ln w="76200">
+            <a:tailEnd type="triangle"/>
+          </a:ln>
+        </p:spPr>
+        <p:style>
+          <a:lnRef idx="1">
+            <a:schemeClr val="accent1"/>
+          </a:lnRef>
+          <a:fillRef idx="0">
+            <a:schemeClr val="accent1"/>
+          </a:fillRef>
+          <a:effectRef idx="0">
+            <a:schemeClr val="accent1"/>
+          </a:effectRef>
+          <a:fontRef idx="minor">
+            <a:schemeClr val="tx1"/>
+          </a:fontRef>
+        </p:style>
+      </p:cxnSp>
+      <p:sp>
+        <p:nvSpPr>
+          <p:cNvPr id="14" name="TextBox 13"/>
+          <p:cNvSpPr txBox="1"/>
+          <p:nvPr/>
+        </p:nvSpPr>
+        <p:spPr>
+          <a:xfrm>
+            <a:off x="1627240" y="4845095"/>
+            <a:ext cx="4019444" cy="369332"/>
+          </a:xfrm>
+          <a:prstGeom prst="rect">
+            <a:avLst/>
+          </a:prstGeom>
+          <a:noFill/>
+        </p:spPr>
+        <p:txBody>
+          <a:bodyPr wrap="square" rtlCol="0">
+            <a:spAutoFit/>
+          </a:bodyPr>
+          <a:lstStyle/>
+          <a:p>
+            <a:pPr algn="ctr"/>
+            <a:r>
+              <a:rPr lang="en-US" dirty="0"/>
+              <a:t>User notification on defined channel</a:t>
+            </a:r>
+          </a:p>
+        </p:txBody>
+      </p:sp>
+      <p:cxnSp>
+        <p:nvCxnSpPr>
+          <p:cNvPr id="15" name="Straight Arrow Connector 14"/>
+          <p:cNvCxnSpPr>
+            <a:cxnSpLocks/>
+          </p:cNvCxnSpPr>
+          <p:nvPr/>
+        </p:nvCxnSpPr>
+        <p:spPr>
+          <a:xfrm flipH="1">
+            <a:off x="6084193" y="3288857"/>
+            <a:ext cx="4168879" cy="0"/>
+          </a:xfrm>
+          <a:prstGeom prst="straightConnector1">
+            <a:avLst/>
+          </a:prstGeom>
+          <a:ln w="76200">
+            <a:tailEnd type="triangle"/>
+          </a:ln>
+        </p:spPr>
+        <p:style>
+          <a:lnRef idx="1">
+            <a:schemeClr val="accent1"/>
+          </a:lnRef>
+          <a:fillRef idx="0">
+            <a:schemeClr val="accent1"/>
+          </a:fillRef>
+          <a:effectRef idx="0">
+            <a:schemeClr val="accent1"/>
+          </a:effectRef>
+          <a:fontRef idx="minor">
+            <a:schemeClr val="tx1"/>
+          </a:fontRef>
+        </p:style>
+      </p:cxnSp>
+      <p:sp>
+        <p:nvSpPr>
+          <p:cNvPr id="16" name="TextBox 15"/>
+          <p:cNvSpPr txBox="1"/>
+          <p:nvPr/>
+        </p:nvSpPr>
+        <p:spPr>
+          <a:xfrm>
+            <a:off x="6503560" y="3288857"/>
+            <a:ext cx="3379304" cy="923330"/>
+          </a:xfrm>
+          <a:prstGeom prst="rect">
+            <a:avLst/>
+          </a:prstGeom>
+          <a:noFill/>
+        </p:spPr>
+        <p:txBody>
+          <a:bodyPr wrap="square" rtlCol="0">
+            <a:spAutoFit/>
+          </a:bodyPr>
+          <a:lstStyle/>
+          <a:p>
+            <a:pPr algn="ctr"/>
+            <a:r>
+              <a:rPr lang="en-US" dirty="0"/>
+              <a:t>POST http://[bot URL]/</a:t>
+            </a:r>
+            <a:r>
+              <a:rPr lang="en-US" dirty="0" err="1"/>
+              <a:t>api</a:t>
+            </a:r>
+            <a:r>
+              <a:rPr lang="en-US" dirty="0"/>
+              <a:t>/notify/{</a:t>
+            </a:r>
+            <a:r>
+              <a:rPr lang="en-US" dirty="0" err="1"/>
+              <a:t>conversationId</a:t>
+            </a:r>
+            <a:r>
+              <a:rPr lang="en-US" dirty="0"/>
+              <a:t>}/{</a:t>
+            </a:r>
+            <a:r>
+              <a:rPr lang="en-US" dirty="0" err="1"/>
+              <a:t>channelId</a:t>
+            </a:r>
+            <a:r>
+              <a:rPr lang="en-US" dirty="0"/>
+              <a:t>}</a:t>
+            </a:r>
+          </a:p>
+        </p:txBody>
+      </p:sp>
+      <p:cxnSp>
+        <p:nvCxnSpPr>
+          <p:cNvPr id="17" name="Straight Arrow Connector 16"/>
+          <p:cNvCxnSpPr>
+            <a:cxnSpLocks/>
+          </p:cNvCxnSpPr>
+          <p:nvPr/>
+        </p:nvCxnSpPr>
+        <p:spPr>
+          <a:xfrm flipH="1">
+            <a:off x="1399549" y="5227234"/>
+            <a:ext cx="4378132" cy="0"/>
+          </a:xfrm>
+          <a:prstGeom prst="straightConnector1">
+            <a:avLst/>
+          </a:prstGeom>
+          <a:ln w="76200">
+            <a:tailEnd type="triangle"/>
+          </a:ln>
+        </p:spPr>
+        <p:style>
+          <a:lnRef idx="1">
+            <a:schemeClr val="accent1"/>
+          </a:lnRef>
+          <a:fillRef idx="0">
+            <a:schemeClr val="accent1"/>
+          </a:fillRef>
+          <a:effectRef idx="0">
+            <a:schemeClr val="accent1"/>
+          </a:effectRef>
+          <a:fontRef idx="minor">
+            <a:schemeClr val="tx1"/>
+          </a:fontRef>
+        </p:style>
+      </p:cxnSp>
+      <p:sp>
+        <p:nvSpPr>
+          <p:cNvPr id="18" name="TextBox 17"/>
+          <p:cNvSpPr txBox="1"/>
+          <p:nvPr/>
+        </p:nvSpPr>
+        <p:spPr>
+          <a:xfrm>
+            <a:off x="2895507" y="1880057"/>
+            <a:ext cx="2610465" cy="369332"/>
+          </a:xfrm>
+          <a:prstGeom prst="rect">
+            <a:avLst/>
+          </a:prstGeom>
+          <a:noFill/>
+        </p:spPr>
+        <p:txBody>
+          <a:bodyPr wrap="square" rtlCol="0">
+            <a:spAutoFit/>
+          </a:bodyPr>
+          <a:lstStyle/>
+          <a:p>
+            <a:r>
+              <a:rPr lang="en-US" dirty="0"/>
+              <a:t>An action on RB</a:t>
+            </a:r>
+          </a:p>
+        </p:txBody>
+      </p:sp>
+      <p:sp>
+        <p:nvSpPr>
+          <p:cNvPr id="19" name="TextBox 18"/>
+          <p:cNvSpPr txBox="1"/>
+          <p:nvPr/>
+        </p:nvSpPr>
+        <p:spPr>
+          <a:xfrm>
+            <a:off x="0" y="32562"/>
+            <a:ext cx="3134032" cy="369332"/>
+          </a:xfrm>
+          <a:prstGeom prst="rect">
+            <a:avLst/>
+          </a:prstGeom>
+          <a:noFill/>
+        </p:spPr>
+        <p:txBody>
+          <a:bodyPr wrap="square" rtlCol="0">
+            <a:spAutoFit/>
+          </a:bodyPr>
+          <a:lstStyle/>
+          <a:p>
+            <a:r>
+              <a:rPr lang="en-US" b="1" dirty="0"/>
+              <a:t>Review request changes</a:t>
+            </a:r>
+          </a:p>
+        </p:txBody>
+      </p:sp>
+    </p:spTree>
+    <p:extLst>
+      <p:ext uri="{BB962C8B-B14F-4D97-AF65-F5344CB8AC3E}">
+        <p14:creationId xmlns:p14="http://schemas.microsoft.com/office/powerpoint/2010/main" val="2144624022"/>
       </p:ext>
     </p:extLst>
   </p:cSld>
@@ -3518,7 +4263,7 @@
         <a:srgbClr val="E7E6E6"/>
       </a:lt2>
       <a:accent1>
-        <a:srgbClr val="5B9BD5"/>
+        <a:srgbClr val="4472C4"/>
       </a:accent1>
       <a:accent2>
         <a:srgbClr val="ED7D31"/>
@@ -3530,7 +4275,7 @@
         <a:srgbClr val="FFC000"/>
       </a:accent4>
       <a:accent5>
-        <a:srgbClr val="4472C4"/>
+        <a:srgbClr val="5B9BD5"/>
       </a:accent5>
       <a:accent6>
         <a:srgbClr val="70AD47"/>

--- a/Documentation/Dataflow.pptx
+++ b/Documentation/Dataflow.pptx
@@ -5,10 +5,9 @@
     <p:sldMasterId id="2147483648" r:id="rId1"/>
   </p:sldMasterIdLst>
   <p:sldIdLst>
-    <p:sldId id="256" r:id="rId2"/>
-    <p:sldId id="257" r:id="rId3"/>
-    <p:sldId id="260" r:id="rId4"/>
-    <p:sldId id="259" r:id="rId5"/>
+    <p:sldId id="257" r:id="rId2"/>
+    <p:sldId id="260" r:id="rId3"/>
+    <p:sldId id="259" r:id="rId4"/>
   </p:sldIdLst>
   <p:sldSz cx="12192000" cy="6858000"/>
   <p:notesSz cx="6858000" cy="9144000"/>
@@ -244,7 +243,7 @@
           <a:p>
             <a:fld id="{2720BED5-F1DB-4233-8469-C99F1BD85BAD}" type="datetimeFigureOut">
               <a:rPr lang="en-US" smtClean="0"/>
-              <a:t>11/29/16</a:t>
+              <a:t>12/07/16</a:t>
             </a:fld>
             <a:endParaRPr lang="en-US"/>
           </a:p>
@@ -412,7 +411,7 @@
           <a:p>
             <a:fld id="{2720BED5-F1DB-4233-8469-C99F1BD85BAD}" type="datetimeFigureOut">
               <a:rPr lang="en-US" smtClean="0"/>
-              <a:t>11/29/16</a:t>
+              <a:t>12/07/16</a:t>
             </a:fld>
             <a:endParaRPr lang="en-US"/>
           </a:p>
@@ -590,7 +589,7 @@
           <a:p>
             <a:fld id="{2720BED5-F1DB-4233-8469-C99F1BD85BAD}" type="datetimeFigureOut">
               <a:rPr lang="en-US" smtClean="0"/>
-              <a:t>11/29/16</a:t>
+              <a:t>12/07/16</a:t>
             </a:fld>
             <a:endParaRPr lang="en-US"/>
           </a:p>
@@ -758,7 +757,7 @@
           <a:p>
             <a:fld id="{2720BED5-F1DB-4233-8469-C99F1BD85BAD}" type="datetimeFigureOut">
               <a:rPr lang="en-US" smtClean="0"/>
-              <a:t>11/29/16</a:t>
+              <a:t>12/07/16</a:t>
             </a:fld>
             <a:endParaRPr lang="en-US"/>
           </a:p>
@@ -1003,7 +1002,7 @@
           <a:p>
             <a:fld id="{2720BED5-F1DB-4233-8469-C99F1BD85BAD}" type="datetimeFigureOut">
               <a:rPr lang="en-US" smtClean="0"/>
-              <a:t>11/29/16</a:t>
+              <a:t>12/07/16</a:t>
             </a:fld>
             <a:endParaRPr lang="en-US"/>
           </a:p>
@@ -1232,7 +1231,7 @@
           <a:p>
             <a:fld id="{2720BED5-F1DB-4233-8469-C99F1BD85BAD}" type="datetimeFigureOut">
               <a:rPr lang="en-US" smtClean="0"/>
-              <a:t>11/29/16</a:t>
+              <a:t>12/07/16</a:t>
             </a:fld>
             <a:endParaRPr lang="en-US"/>
           </a:p>
@@ -1596,7 +1595,7 @@
           <a:p>
             <a:fld id="{2720BED5-F1DB-4233-8469-C99F1BD85BAD}" type="datetimeFigureOut">
               <a:rPr lang="en-US" smtClean="0"/>
-              <a:t>11/29/16</a:t>
+              <a:t>12/07/16</a:t>
             </a:fld>
             <a:endParaRPr lang="en-US"/>
           </a:p>
@@ -1713,7 +1712,7 @@
           <a:p>
             <a:fld id="{2720BED5-F1DB-4233-8469-C99F1BD85BAD}" type="datetimeFigureOut">
               <a:rPr lang="en-US" smtClean="0"/>
-              <a:t>11/29/16</a:t>
+              <a:t>12/07/16</a:t>
             </a:fld>
             <a:endParaRPr lang="en-US"/>
           </a:p>
@@ -1808,7 +1807,7 @@
           <a:p>
             <a:fld id="{2720BED5-F1DB-4233-8469-C99F1BD85BAD}" type="datetimeFigureOut">
               <a:rPr lang="en-US" smtClean="0"/>
-              <a:t>11/29/16</a:t>
+              <a:t>12/07/16</a:t>
             </a:fld>
             <a:endParaRPr lang="en-US"/>
           </a:p>
@@ -2083,7 +2082,7 @@
           <a:p>
             <a:fld id="{2720BED5-F1DB-4233-8469-C99F1BD85BAD}" type="datetimeFigureOut">
               <a:rPr lang="en-US" smtClean="0"/>
-              <a:t>11/29/16</a:t>
+              <a:t>12/07/16</a:t>
             </a:fld>
             <a:endParaRPr lang="en-US"/>
           </a:p>
@@ -2335,7 +2334,7 @@
           <a:p>
             <a:fld id="{2720BED5-F1DB-4233-8469-C99F1BD85BAD}" type="datetimeFigureOut">
               <a:rPr lang="en-US" smtClean="0"/>
-              <a:t>11/29/16</a:t>
+              <a:t>12/07/16</a:t>
             </a:fld>
             <a:endParaRPr lang="en-US"/>
           </a:p>
@@ -2546,7 +2545,7 @@
           <a:p>
             <a:fld id="{2720BED5-F1DB-4233-8469-C99F1BD85BAD}" type="datetimeFigureOut">
               <a:rPr lang="en-US" smtClean="0"/>
-              <a:t>11/29/16</a:t>
+              <a:t>12/07/16</a:t>
             </a:fld>
             <a:endParaRPr lang="en-US"/>
           </a:p>
@@ -2961,40 +2960,7 @@
         </p:nvCxnSpPr>
         <p:spPr>
           <a:xfrm>
-            <a:off x="1238865" y="980768"/>
-            <a:ext cx="0" cy="5427406"/>
-          </a:xfrm>
-          <a:prstGeom prst="line">
-            <a:avLst/>
-          </a:prstGeom>
-          <a:ln w="38100"/>
-        </p:spPr>
-        <p:style>
-          <a:lnRef idx="1">
-            <a:schemeClr val="accent1"/>
-          </a:lnRef>
-          <a:fillRef idx="0">
-            <a:schemeClr val="accent1"/>
-          </a:fillRef>
-          <a:effectRef idx="0">
-            <a:schemeClr val="accent1"/>
-          </a:effectRef>
-          <a:fontRef idx="minor">
-            <a:schemeClr val="tx1"/>
-          </a:fontRef>
-        </p:style>
-      </p:cxnSp>
-      <p:cxnSp>
-        <p:nvCxnSpPr>
-          <p:cNvPr id="8" name="Straight Connector 7"/>
-          <p:cNvCxnSpPr>
-            <a:cxnSpLocks/>
-          </p:cNvCxnSpPr>
-          <p:nvPr/>
-        </p:nvCxnSpPr>
-        <p:spPr>
-          <a:xfrm>
-            <a:off x="10387781" y="980768"/>
+            <a:off x="1238865" y="1041360"/>
             <a:ext cx="0" cy="5427406"/>
           </a:xfrm>
           <a:prstGeom prst="line">
@@ -3027,7 +2993,7 @@
         </p:nvCxnSpPr>
         <p:spPr>
           <a:xfrm>
-            <a:off x="6007510" y="980768"/>
+            <a:off x="9453076" y="842346"/>
             <a:ext cx="0" cy="5427406"/>
           </a:xfrm>
           <a:prstGeom prst="line">
@@ -3058,7 +3024,7 @@
         </p:nvSpPr>
         <p:spPr>
           <a:xfrm>
-            <a:off x="921775" y="309716"/>
+            <a:off x="921775" y="565347"/>
             <a:ext cx="907025" cy="369332"/>
           </a:xfrm>
           <a:prstGeom prst="rect">
@@ -3081,13 +3047,13 @@
       </p:sp>
       <p:sp>
         <p:nvSpPr>
-          <p:cNvPr id="11" name="TextBox 10"/>
+          <p:cNvPr id="12" name="TextBox 11"/>
           <p:cNvSpPr txBox="1"/>
           <p:nvPr/>
         </p:nvSpPr>
         <p:spPr>
           <a:xfrm>
-            <a:off x="9699523" y="309716"/>
+            <a:off x="8695992" y="401894"/>
             <a:ext cx="1514167" cy="369332"/>
           </a:xfrm>
           <a:prstGeom prst="rect">
@@ -3101,27 +3067,57 @@
           </a:bodyPr>
           <a:lstStyle/>
           <a:p>
-            <a:r>
-              <a:rPr lang="en-US" dirty="0" err="1"/>
-              <a:t>ReviewBoard</a:t>
-            </a:r>
+            <a:pPr algn="ctr"/>
             <a:r>
               <a:rPr lang="en-US" dirty="0"/>
-              <a:t> </a:t>
-            </a:r>
-          </a:p>
-        </p:txBody>
-      </p:sp>
-      <p:sp>
-        <p:nvSpPr>
-          <p:cNvPr id="12" name="TextBox 11"/>
+              <a:t>Bot</a:t>
+            </a:r>
+          </a:p>
+        </p:txBody>
+      </p:sp>
+      <p:cxnSp>
+        <p:nvCxnSpPr>
+          <p:cNvPr id="3" name="Straight Arrow Connector 2"/>
+          <p:cNvCxnSpPr/>
+          <p:nvPr/>
+        </p:nvCxnSpPr>
+        <p:spPr>
+          <a:xfrm>
+            <a:off x="1633115" y="2077064"/>
+            <a:ext cx="7537389" cy="0"/>
+          </a:xfrm>
+          <a:prstGeom prst="straightConnector1">
+            <a:avLst/>
+          </a:prstGeom>
+          <a:ln w="76200">
+            <a:tailEnd type="triangle"/>
+          </a:ln>
+        </p:spPr>
+        <p:style>
+          <a:lnRef idx="1">
+            <a:schemeClr val="accent1"/>
+          </a:lnRef>
+          <a:fillRef idx="0">
+            <a:schemeClr val="accent1"/>
+          </a:fillRef>
+          <a:effectRef idx="0">
+            <a:schemeClr val="accent1"/>
+          </a:effectRef>
+          <a:fontRef idx="minor">
+            <a:schemeClr val="tx1"/>
+          </a:fontRef>
+        </p:style>
+      </p:cxnSp>
+      <p:sp>
+        <p:nvSpPr>
+          <p:cNvPr id="4" name="TextBox 3"/>
           <p:cNvSpPr txBox="1"/>
           <p:nvPr/>
         </p:nvSpPr>
         <p:spPr>
           <a:xfrm>
-            <a:off x="5385620" y="309716"/>
-            <a:ext cx="1514167" cy="369332"/>
+            <a:off x="4335706" y="1663964"/>
+            <a:ext cx="2610465" cy="369332"/>
           </a:xfrm>
           <a:prstGeom prst="rect">
             <a:avLst/>
@@ -3136,15 +3132,150 @@
           <a:p>
             <a:r>
               <a:rPr lang="en-US" dirty="0"/>
-              <a:t>Bot</a:t>
-            </a:r>
+              <a:t>Send 1</a:t>
+            </a:r>
+            <a:r>
+              <a:rPr lang="en-US" baseline="30000" dirty="0"/>
+              <a:t>st</a:t>
+            </a:r>
+            <a:r>
+              <a:rPr lang="en-US" dirty="0"/>
+              <a:t> message to bot</a:t>
+            </a:r>
+          </a:p>
+        </p:txBody>
+      </p:sp>
+      <p:sp>
+        <p:nvSpPr>
+          <p:cNvPr id="7" name="TextBox 6"/>
+          <p:cNvSpPr txBox="1"/>
+          <p:nvPr/>
+        </p:nvSpPr>
+        <p:spPr>
+          <a:xfrm>
+            <a:off x="0" y="32562"/>
+            <a:ext cx="2109019" cy="369332"/>
+          </a:xfrm>
+          <a:prstGeom prst="rect">
+            <a:avLst/>
+          </a:prstGeom>
+          <a:noFill/>
+        </p:spPr>
+        <p:txBody>
+          <a:bodyPr wrap="square" rtlCol="0">
+            <a:spAutoFit/>
+          </a:bodyPr>
+          <a:lstStyle/>
+          <a:p>
+            <a:r>
+              <a:rPr lang="en-US" b="1" dirty="0"/>
+              <a:t>Initial interaction</a:t>
+            </a:r>
+          </a:p>
+        </p:txBody>
+      </p:sp>
+      <p:sp>
+        <p:nvSpPr>
+          <p:cNvPr id="16" name="TextBox 15"/>
+          <p:cNvSpPr txBox="1"/>
+          <p:nvPr/>
+        </p:nvSpPr>
+        <p:spPr>
+          <a:xfrm>
+            <a:off x="2826142" y="4378044"/>
+            <a:ext cx="5151333" cy="369332"/>
+          </a:xfrm>
+          <a:prstGeom prst="rect">
+            <a:avLst/>
+          </a:prstGeom>
+          <a:noFill/>
+        </p:spPr>
+        <p:txBody>
+          <a:bodyPr wrap="square" rtlCol="0">
+            <a:spAutoFit/>
+          </a:bodyPr>
+          <a:lstStyle/>
+          <a:p>
+            <a:pPr algn="ctr"/>
+            <a:r>
+              <a:rPr lang="en-US" dirty="0"/>
+              <a:t>Bot sends back a new unique URL</a:t>
+            </a:r>
+          </a:p>
+        </p:txBody>
+      </p:sp>
+      <p:cxnSp>
+        <p:nvCxnSpPr>
+          <p:cNvPr id="17" name="Straight Arrow Connector 16"/>
+          <p:cNvCxnSpPr/>
+          <p:nvPr/>
+        </p:nvCxnSpPr>
+        <p:spPr>
+          <a:xfrm flipH="1">
+            <a:off x="1519082" y="4747376"/>
+            <a:ext cx="7651422" cy="0"/>
+          </a:xfrm>
+          <a:prstGeom prst="straightConnector1">
+            <a:avLst/>
+          </a:prstGeom>
+          <a:ln w="76200">
+            <a:tailEnd type="triangle"/>
+          </a:ln>
+        </p:spPr>
+        <p:style>
+          <a:lnRef idx="1">
+            <a:schemeClr val="accent1"/>
+          </a:lnRef>
+          <a:fillRef idx="0">
+            <a:schemeClr val="accent1"/>
+          </a:fillRef>
+          <a:effectRef idx="0">
+            <a:schemeClr val="accent1"/>
+          </a:effectRef>
+          <a:fontRef idx="minor">
+            <a:schemeClr val="tx1"/>
+          </a:fontRef>
+        </p:style>
+      </p:cxnSp>
+      <p:sp>
+        <p:nvSpPr>
+          <p:cNvPr id="11" name="TextBox 10"/>
+          <p:cNvSpPr txBox="1"/>
+          <p:nvPr/>
+        </p:nvSpPr>
+        <p:spPr>
+          <a:xfrm>
+            <a:off x="2826142" y="4747376"/>
+            <a:ext cx="5151333" cy="369332"/>
+          </a:xfrm>
+          <a:prstGeom prst="rect">
+            <a:avLst/>
+          </a:prstGeom>
+          <a:noFill/>
+        </p:spPr>
+        <p:txBody>
+          <a:bodyPr wrap="square" rtlCol="0">
+            <a:spAutoFit/>
+          </a:bodyPr>
+          <a:lstStyle/>
+          <a:p>
+            <a:pPr algn="ctr"/>
+            <a:r>
+              <a:rPr lang="en-US" dirty="0"/>
+              <a:t>that includes a conversation id and </a:t>
+            </a:r>
+            <a:r>
+              <a:rPr lang="en-US"/>
+              <a:t>a channel id</a:t>
+            </a:r>
+            <a:endParaRPr lang="en-US" dirty="0"/>
           </a:p>
         </p:txBody>
       </p:sp>
     </p:spTree>
     <p:extLst>
       <p:ext uri="{BB962C8B-B14F-4D97-AF65-F5344CB8AC3E}">
-        <p14:creationId xmlns:p14="http://schemas.microsoft.com/office/powerpoint/2010/main" val="3248198943"/>
+        <p14:creationId xmlns:p14="http://schemas.microsoft.com/office/powerpoint/2010/main" val="828466624"/>
       </p:ext>
     </p:extLst>
   </p:cSld>
@@ -3290,9 +3421,10 @@
           <a:p>
             <a:pPr algn="ctr"/>
             <a:r>
-              <a:rPr lang="en-US" dirty="0"/>
-              <a:t>Bot</a:t>
-            </a:r>
+              <a:rPr lang="en-US" dirty="0" err="1"/>
+              <a:t>ReviewBoard</a:t>
+            </a:r>
+            <a:endParaRPr lang="en-US" dirty="0"/>
           </a:p>
         </p:txBody>
       </p:sp>
@@ -3331,14 +3463,14 @@
       </p:cxnSp>
       <p:sp>
         <p:nvSpPr>
-          <p:cNvPr id="4" name="TextBox 3"/>
+          <p:cNvPr id="11" name="TextBox 10"/>
           <p:cNvSpPr txBox="1"/>
           <p:nvPr/>
         </p:nvSpPr>
         <p:spPr>
           <a:xfrm>
-            <a:off x="4335706" y="1663964"/>
-            <a:ext cx="2610465" cy="369332"/>
+            <a:off x="0" y="32562"/>
+            <a:ext cx="4151671" cy="369332"/>
           </a:xfrm>
           <a:prstGeom prst="rect">
             <a:avLst/>
@@ -3352,30 +3484,30 @@
           <a:lstStyle/>
           <a:p>
             <a:r>
-              <a:rPr lang="en-US" dirty="0"/>
-              <a:t>Send 1</a:t>
-            </a:r>
-            <a:r>
-              <a:rPr lang="en-US" baseline="30000" dirty="0"/>
-              <a:t>st</a:t>
-            </a:r>
-            <a:r>
-              <a:rPr lang="en-US" dirty="0"/>
-              <a:t> message to bot</a:t>
-            </a:r>
-          </a:p>
-        </p:txBody>
-      </p:sp>
-      <p:sp>
-        <p:nvSpPr>
-          <p:cNvPr id="7" name="TextBox 6"/>
+              <a:rPr lang="en-US" b="1" dirty="0"/>
+              <a:t>User and </a:t>
+            </a:r>
+            <a:r>
+              <a:rPr lang="en-US" b="1" dirty="0" err="1"/>
+              <a:t>ReviewBoard</a:t>
+            </a:r>
+            <a:r>
+              <a:rPr lang="en-US" b="1" dirty="0"/>
+              <a:t> Interaction</a:t>
+            </a:r>
+          </a:p>
+        </p:txBody>
+      </p:sp>
+      <p:sp>
+        <p:nvSpPr>
+          <p:cNvPr id="13" name="TextBox 12"/>
           <p:cNvSpPr txBox="1"/>
           <p:nvPr/>
         </p:nvSpPr>
         <p:spPr>
           <a:xfrm>
-            <a:off x="0" y="32562"/>
-            <a:ext cx="2109019" cy="369332"/>
+            <a:off x="2426082" y="2203787"/>
+            <a:ext cx="5839777" cy="1200329"/>
           </a:xfrm>
           <a:prstGeom prst="rect">
             <a:avLst/>
@@ -3389,114 +3521,31 @@
           <a:lstStyle/>
           <a:p>
             <a:r>
-              <a:rPr lang="en-US" b="1" dirty="0"/>
-              <a:t>Initial interaction</a:t>
-            </a:r>
-          </a:p>
-        </p:txBody>
-      </p:sp>
-      <p:sp>
-        <p:nvSpPr>
-          <p:cNvPr id="16" name="TextBox 15"/>
-          <p:cNvSpPr txBox="1"/>
-          <p:nvPr/>
-        </p:nvSpPr>
-        <p:spPr>
-          <a:xfrm>
-            <a:off x="2826142" y="4378044"/>
-            <a:ext cx="5151333" cy="369332"/>
-          </a:xfrm>
-          <a:prstGeom prst="rect">
-            <a:avLst/>
-          </a:prstGeom>
-          <a:noFill/>
-        </p:spPr>
-        <p:txBody>
-          <a:bodyPr wrap="square" rtlCol="0">
-            <a:spAutoFit/>
-          </a:bodyPr>
-          <a:lstStyle/>
-          <a:p>
-            <a:pPr algn="ctr"/>
-            <a:r>
               <a:rPr lang="en-US" dirty="0"/>
-              <a:t>Bot sends back a new unique URL</a:t>
-            </a:r>
-          </a:p>
-        </p:txBody>
-      </p:sp>
-      <p:cxnSp>
-        <p:nvCxnSpPr>
-          <p:cNvPr id="17" name="Straight Arrow Connector 16"/>
-          <p:cNvCxnSpPr/>
-          <p:nvPr/>
-        </p:nvCxnSpPr>
-        <p:spPr>
-          <a:xfrm flipH="1">
-            <a:off x="1519082" y="4747376"/>
-            <a:ext cx="7651422" cy="0"/>
-          </a:xfrm>
-          <a:prstGeom prst="straightConnector1">
-            <a:avLst/>
-          </a:prstGeom>
-          <a:ln w="76200">
-            <a:tailEnd type="triangle"/>
-          </a:ln>
-        </p:spPr>
-        <p:style>
-          <a:lnRef idx="1">
-            <a:schemeClr val="accent1"/>
-          </a:lnRef>
-          <a:fillRef idx="0">
-            <a:schemeClr val="accent1"/>
-          </a:fillRef>
-          <a:effectRef idx="0">
-            <a:schemeClr val="accent1"/>
-          </a:effectRef>
-          <a:fontRef idx="minor">
-            <a:schemeClr val="tx1"/>
-          </a:fontRef>
-        </p:style>
-      </p:cxnSp>
-      <p:sp>
-        <p:nvSpPr>
-          <p:cNvPr id="11" name="TextBox 10"/>
-          <p:cNvSpPr txBox="1"/>
-          <p:nvPr/>
-        </p:nvSpPr>
-        <p:spPr>
-          <a:xfrm>
-            <a:off x="2826142" y="4747376"/>
-            <a:ext cx="5151333" cy="369332"/>
-          </a:xfrm>
-          <a:prstGeom prst="rect">
-            <a:avLst/>
-          </a:prstGeom>
-          <a:noFill/>
-        </p:spPr>
-        <p:txBody>
-          <a:bodyPr wrap="square" rtlCol="0">
-            <a:spAutoFit/>
-          </a:bodyPr>
-          <a:lstStyle/>
-          <a:p>
-            <a:pPr algn="ctr"/>
+              <a:t>Create new integration</a:t>
+            </a:r>
+          </a:p>
+          <a:p>
             <a:r>
               <a:rPr lang="en-US" dirty="0"/>
-              <a:t>that includes a conversation id and </a:t>
-            </a:r>
-            <a:r>
-              <a:rPr lang="en-US"/>
-              <a:t>a channel id</a:t>
-            </a:r>
+              <a:t>+ Action filters (review request, code changed, etc.)</a:t>
+            </a:r>
+          </a:p>
+          <a:p>
             <a:endParaRPr lang="en-US" dirty="0"/>
+          </a:p>
+          <a:p>
+            <a:r>
+              <a:rPr lang="en-US" dirty="0"/>
+              <a:t>Edit and remove integration</a:t>
+            </a:r>
           </a:p>
         </p:txBody>
       </p:sp>
     </p:spTree>
     <p:extLst>
       <p:ext uri="{BB962C8B-B14F-4D97-AF65-F5344CB8AC3E}">
-        <p14:creationId xmlns:p14="http://schemas.microsoft.com/office/powerpoint/2010/main" val="828466624"/>
+        <p14:creationId xmlns:p14="http://schemas.microsoft.com/office/powerpoint/2010/main" val="645351926"/>
       </p:ext>
     </p:extLst>
   </p:cSld>
@@ -3533,7 +3582,40 @@
         </p:nvCxnSpPr>
         <p:spPr>
           <a:xfrm>
-            <a:off x="1238865" y="1041360"/>
+            <a:off x="1238865" y="980768"/>
+            <a:ext cx="0" cy="5427406"/>
+          </a:xfrm>
+          <a:prstGeom prst="line">
+            <a:avLst/>
+          </a:prstGeom>
+          <a:ln w="38100"/>
+        </p:spPr>
+        <p:style>
+          <a:lnRef idx="1">
+            <a:schemeClr val="accent1"/>
+          </a:lnRef>
+          <a:fillRef idx="0">
+            <a:schemeClr val="accent1"/>
+          </a:fillRef>
+          <a:effectRef idx="0">
+            <a:schemeClr val="accent1"/>
+          </a:effectRef>
+          <a:fontRef idx="minor">
+            <a:schemeClr val="tx1"/>
+          </a:fontRef>
+        </p:style>
+      </p:cxnSp>
+      <p:cxnSp>
+        <p:nvCxnSpPr>
+          <p:cNvPr id="8" name="Straight Connector 7"/>
+          <p:cNvCxnSpPr>
+            <a:cxnSpLocks/>
+          </p:cNvCxnSpPr>
+          <p:nvPr/>
+        </p:nvCxnSpPr>
+        <p:spPr>
+          <a:xfrm>
+            <a:off x="10387781" y="980768"/>
             <a:ext cx="0" cy="5427406"/>
           </a:xfrm>
           <a:prstGeom prst="line">
@@ -3566,7 +3648,7 @@
         </p:nvCxnSpPr>
         <p:spPr>
           <a:xfrm>
-            <a:off x="9453076" y="842346"/>
+            <a:off x="6007510" y="980768"/>
             <a:ext cx="0" cy="5427406"/>
           </a:xfrm>
           <a:prstGeom prst="line">
@@ -3597,7 +3679,7 @@
         </p:nvSpPr>
         <p:spPr>
           <a:xfrm>
-            <a:off x="921775" y="565347"/>
+            <a:off x="785352" y="586977"/>
             <a:ext cx="907025" cy="369332"/>
           </a:xfrm>
           <a:prstGeom prst="rect">
@@ -3611,6 +3693,7 @@
           </a:bodyPr>
           <a:lstStyle/>
           <a:p>
+            <a:pPr algn="ctr"/>
             <a:r>
               <a:rPr lang="en-US" dirty="0"/>
               <a:t>User</a:t>
@@ -3620,13 +3703,13 @@
       </p:sp>
       <p:sp>
         <p:nvSpPr>
-          <p:cNvPr id="12" name="TextBox 11"/>
+          <p:cNvPr id="11" name="TextBox 10"/>
           <p:cNvSpPr txBox="1"/>
           <p:nvPr/>
         </p:nvSpPr>
         <p:spPr>
           <a:xfrm>
-            <a:off x="8695992" y="401894"/>
+            <a:off x="9630697" y="549525"/>
             <a:ext cx="1514167" cy="369332"/>
           </a:xfrm>
           <a:prstGeom prst="rect">
@@ -3645,20 +3728,55 @@
               <a:rPr lang="en-US" dirty="0" err="1"/>
               <a:t>ReviewBoard</a:t>
             </a:r>
-            <a:endParaRPr lang="en-US" dirty="0"/>
+            <a:r>
+              <a:rPr lang="en-US" dirty="0"/>
+              <a:t> </a:t>
+            </a:r>
+          </a:p>
+        </p:txBody>
+      </p:sp>
+      <p:sp>
+        <p:nvSpPr>
+          <p:cNvPr id="12" name="TextBox 11"/>
+          <p:cNvSpPr txBox="1"/>
+          <p:nvPr/>
+        </p:nvSpPr>
+        <p:spPr>
+          <a:xfrm>
+            <a:off x="5606846" y="549525"/>
+            <a:ext cx="801328" cy="369332"/>
+          </a:xfrm>
+          <a:prstGeom prst="rect">
+            <a:avLst/>
+          </a:prstGeom>
+          <a:noFill/>
+        </p:spPr>
+        <p:txBody>
+          <a:bodyPr wrap="square" rtlCol="0">
+            <a:spAutoFit/>
+          </a:bodyPr>
+          <a:lstStyle/>
+          <a:p>
+            <a:pPr algn="ctr"/>
+            <a:r>
+              <a:rPr lang="en-US" dirty="0"/>
+              <a:t>Bot</a:t>
+            </a:r>
           </a:p>
         </p:txBody>
       </p:sp>
       <p:cxnSp>
         <p:nvCxnSpPr>
-          <p:cNvPr id="3" name="Straight Arrow Connector 2"/>
-          <p:cNvCxnSpPr/>
+          <p:cNvPr id="13" name="Straight Arrow Connector 12"/>
+          <p:cNvCxnSpPr>
+            <a:cxnSpLocks/>
+          </p:cNvCxnSpPr>
           <p:nvPr/>
         </p:nvCxnSpPr>
         <p:spPr>
           <a:xfrm>
-            <a:off x="1633115" y="2077064"/>
-            <a:ext cx="7537389" cy="0"/>
+            <a:off x="1519084" y="2253075"/>
+            <a:ext cx="8745795" cy="0"/>
           </a:xfrm>
           <a:prstGeom prst="straightConnector1">
             <a:avLst/>
@@ -3684,14 +3802,14 @@
       </p:cxnSp>
       <p:sp>
         <p:nvSpPr>
-          <p:cNvPr id="11" name="TextBox 10"/>
+          <p:cNvPr id="14" name="TextBox 13"/>
           <p:cNvSpPr txBox="1"/>
           <p:nvPr/>
         </p:nvSpPr>
         <p:spPr>
           <a:xfrm>
-            <a:off x="0" y="32562"/>
-            <a:ext cx="4151671" cy="369332"/>
+            <a:off x="1627240" y="4845095"/>
+            <a:ext cx="4019444" cy="369332"/>
           </a:xfrm>
           <a:prstGeom prst="rect">
             <a:avLst/>
@@ -3704,112 +3822,33 @@
           </a:bodyPr>
           <a:lstStyle/>
           <a:p>
-            <a:r>
-              <a:rPr lang="en-US" b="1" dirty="0"/>
-              <a:t>User and </a:t>
-            </a:r>
-            <a:r>
-              <a:rPr lang="en-US" b="1" dirty="0" err="1"/>
-              <a:t>ReviewBoard</a:t>
-            </a:r>
-            <a:r>
-              <a:rPr lang="en-US" b="1" dirty="0"/>
-              <a:t> Interaction</a:t>
-            </a:r>
-          </a:p>
-        </p:txBody>
-      </p:sp>
-      <p:sp>
-        <p:nvSpPr>
-          <p:cNvPr id="13" name="TextBox 12"/>
-          <p:cNvSpPr txBox="1"/>
-          <p:nvPr/>
-        </p:nvSpPr>
-        <p:spPr>
-          <a:xfrm>
-            <a:off x="2426082" y="2203787"/>
-            <a:ext cx="5839777" cy="1200329"/>
-          </a:xfrm>
-          <a:prstGeom prst="rect">
-            <a:avLst/>
-          </a:prstGeom>
-          <a:noFill/>
-        </p:spPr>
-        <p:txBody>
-          <a:bodyPr wrap="square" rtlCol="0">
-            <a:spAutoFit/>
-          </a:bodyPr>
-          <a:lstStyle/>
-          <a:p>
+            <a:pPr algn="ctr"/>
             <a:r>
               <a:rPr lang="en-US" dirty="0"/>
-              <a:t>Create new integration</a:t>
-            </a:r>
-          </a:p>
-          <a:p>
-            <a:r>
-              <a:rPr lang="en-US" dirty="0"/>
-              <a:t>+ Action filters (review request, code changed, etc.)</a:t>
-            </a:r>
-          </a:p>
-          <a:p>
-            <a:endParaRPr lang="en-US" dirty="0"/>
-          </a:p>
-          <a:p>
-            <a:r>
-              <a:rPr lang="en-US" dirty="0"/>
-              <a:t>Edit and remove integration</a:t>
-            </a:r>
-          </a:p>
-        </p:txBody>
-      </p:sp>
-    </p:spTree>
-    <p:extLst>
-      <p:ext uri="{BB962C8B-B14F-4D97-AF65-F5344CB8AC3E}">
-        <p14:creationId xmlns:p14="http://schemas.microsoft.com/office/powerpoint/2010/main" val="645351926"/>
-      </p:ext>
-    </p:extLst>
-  </p:cSld>
-  <p:clrMapOvr>
-    <a:masterClrMapping/>
-  </p:clrMapOvr>
-</p:sld>
-</file>
-
-<file path=ppt/slides/slide4.xml><?xml version="1.0" encoding="utf-8"?>
-<p:sld xmlns:a="http://schemas.openxmlformats.org/drawingml/2006/main" xmlns:r="http://schemas.openxmlformats.org/officeDocument/2006/relationships" xmlns:p="http://schemas.openxmlformats.org/presentationml/2006/main">
-  <p:cSld>
-    <p:spTree>
-      <p:nvGrpSpPr>
-        <p:cNvPr id="1" name=""/>
-        <p:cNvGrpSpPr/>
-        <p:nvPr/>
-      </p:nvGrpSpPr>
-      <p:grpSpPr>
-        <a:xfrm>
-          <a:off x="0" y="0"/>
-          <a:ext cx="0" cy="0"/>
-          <a:chOff x="0" y="0"/>
-          <a:chExt cx="0" cy="0"/>
-        </a:xfrm>
-      </p:grpSpPr>
+              <a:t>User notification on defined channel</a:t>
+            </a:r>
+          </a:p>
+        </p:txBody>
+      </p:sp>
       <p:cxnSp>
         <p:nvCxnSpPr>
-          <p:cNvPr id="5" name="Straight Connector 4"/>
+          <p:cNvPr id="15" name="Straight Arrow Connector 14"/>
           <p:cNvCxnSpPr>
             <a:cxnSpLocks/>
           </p:cNvCxnSpPr>
           <p:nvPr/>
         </p:nvCxnSpPr>
         <p:spPr>
-          <a:xfrm>
-            <a:off x="1238865" y="980768"/>
-            <a:ext cx="0" cy="5427406"/>
-          </a:xfrm>
-          <a:prstGeom prst="line">
+          <a:xfrm flipH="1">
+            <a:off x="6084193" y="3288857"/>
+            <a:ext cx="4168879" cy="0"/>
+          </a:xfrm>
+          <a:prstGeom prst="straightConnector1">
             <a:avLst/>
           </a:prstGeom>
-          <a:ln w="38100"/>
+          <a:ln w="76200">
+            <a:tailEnd type="triangle"/>
+          </a:ln>
         </p:spPr>
         <p:style>
           <a:lnRef idx="1">
@@ -3826,82 +3865,16 @@
           </a:fontRef>
         </p:style>
       </p:cxnSp>
-      <p:cxnSp>
-        <p:nvCxnSpPr>
-          <p:cNvPr id="8" name="Straight Connector 7"/>
-          <p:cNvCxnSpPr>
-            <a:cxnSpLocks/>
-          </p:cNvCxnSpPr>
-          <p:nvPr/>
-        </p:nvCxnSpPr>
-        <p:spPr>
-          <a:xfrm>
-            <a:off x="10387781" y="980768"/>
-            <a:ext cx="0" cy="5427406"/>
-          </a:xfrm>
-          <a:prstGeom prst="line">
-            <a:avLst/>
-          </a:prstGeom>
-          <a:ln w="38100"/>
-        </p:spPr>
-        <p:style>
-          <a:lnRef idx="1">
-            <a:schemeClr val="accent1"/>
-          </a:lnRef>
-          <a:fillRef idx="0">
-            <a:schemeClr val="accent1"/>
-          </a:fillRef>
-          <a:effectRef idx="0">
-            <a:schemeClr val="accent1"/>
-          </a:effectRef>
-          <a:fontRef idx="minor">
-            <a:schemeClr val="tx1"/>
-          </a:fontRef>
-        </p:style>
-      </p:cxnSp>
-      <p:cxnSp>
-        <p:nvCxnSpPr>
-          <p:cNvPr id="9" name="Straight Connector 8"/>
-          <p:cNvCxnSpPr>
-            <a:cxnSpLocks/>
-          </p:cNvCxnSpPr>
-          <p:nvPr/>
-        </p:nvCxnSpPr>
-        <p:spPr>
-          <a:xfrm>
-            <a:off x="6007510" y="980768"/>
-            <a:ext cx="0" cy="5427406"/>
-          </a:xfrm>
-          <a:prstGeom prst="line">
-            <a:avLst/>
-          </a:prstGeom>
-          <a:ln w="38100"/>
-        </p:spPr>
-        <p:style>
-          <a:lnRef idx="1">
-            <a:schemeClr val="accent1"/>
-          </a:lnRef>
-          <a:fillRef idx="0">
-            <a:schemeClr val="accent1"/>
-          </a:fillRef>
-          <a:effectRef idx="0">
-            <a:schemeClr val="accent1"/>
-          </a:effectRef>
-          <a:fontRef idx="minor">
-            <a:schemeClr val="tx1"/>
-          </a:fontRef>
-        </p:style>
-      </p:cxnSp>
-      <p:sp>
-        <p:nvSpPr>
-          <p:cNvPr id="10" name="TextBox 9"/>
+      <p:sp>
+        <p:nvSpPr>
+          <p:cNvPr id="16" name="TextBox 15"/>
           <p:cNvSpPr txBox="1"/>
           <p:nvPr/>
         </p:nvSpPr>
         <p:spPr>
           <a:xfrm>
-            <a:off x="785352" y="586977"/>
-            <a:ext cx="907025" cy="369332"/>
+            <a:off x="6503560" y="3288857"/>
+            <a:ext cx="3541588" cy="646331"/>
           </a:xfrm>
           <a:prstGeom prst="rect">
             <a:avLst/>
@@ -3917,200 +3890,6 @@
             <a:pPr algn="ctr"/>
             <a:r>
               <a:rPr lang="en-US" dirty="0"/>
-              <a:t>User</a:t>
-            </a:r>
-          </a:p>
-        </p:txBody>
-      </p:sp>
-      <p:sp>
-        <p:nvSpPr>
-          <p:cNvPr id="11" name="TextBox 10"/>
-          <p:cNvSpPr txBox="1"/>
-          <p:nvPr/>
-        </p:nvSpPr>
-        <p:spPr>
-          <a:xfrm>
-            <a:off x="9630697" y="549525"/>
-            <a:ext cx="1514167" cy="369332"/>
-          </a:xfrm>
-          <a:prstGeom prst="rect">
-            <a:avLst/>
-          </a:prstGeom>
-          <a:noFill/>
-        </p:spPr>
-        <p:txBody>
-          <a:bodyPr wrap="square" rtlCol="0">
-            <a:spAutoFit/>
-          </a:bodyPr>
-          <a:lstStyle/>
-          <a:p>
-            <a:pPr algn="ctr"/>
-            <a:r>
-              <a:rPr lang="en-US" dirty="0" err="1"/>
-              <a:t>ReviewBoard</a:t>
-            </a:r>
-            <a:r>
-              <a:rPr lang="en-US" dirty="0"/>
-              <a:t> </a:t>
-            </a:r>
-          </a:p>
-        </p:txBody>
-      </p:sp>
-      <p:sp>
-        <p:nvSpPr>
-          <p:cNvPr id="12" name="TextBox 11"/>
-          <p:cNvSpPr txBox="1"/>
-          <p:nvPr/>
-        </p:nvSpPr>
-        <p:spPr>
-          <a:xfrm>
-            <a:off x="5606846" y="549525"/>
-            <a:ext cx="801328" cy="369332"/>
-          </a:xfrm>
-          <a:prstGeom prst="rect">
-            <a:avLst/>
-          </a:prstGeom>
-          <a:noFill/>
-        </p:spPr>
-        <p:txBody>
-          <a:bodyPr wrap="square" rtlCol="0">
-            <a:spAutoFit/>
-          </a:bodyPr>
-          <a:lstStyle/>
-          <a:p>
-            <a:pPr algn="ctr"/>
-            <a:r>
-              <a:rPr lang="en-US" dirty="0"/>
-              <a:t>Bot</a:t>
-            </a:r>
-          </a:p>
-        </p:txBody>
-      </p:sp>
-      <p:cxnSp>
-        <p:nvCxnSpPr>
-          <p:cNvPr id="13" name="Straight Arrow Connector 12"/>
-          <p:cNvCxnSpPr>
-            <a:cxnSpLocks/>
-          </p:cNvCxnSpPr>
-          <p:nvPr/>
-        </p:nvCxnSpPr>
-        <p:spPr>
-          <a:xfrm>
-            <a:off x="1519084" y="2253075"/>
-            <a:ext cx="8745795" cy="0"/>
-          </a:xfrm>
-          <a:prstGeom prst="straightConnector1">
-            <a:avLst/>
-          </a:prstGeom>
-          <a:ln w="76200">
-            <a:tailEnd type="triangle"/>
-          </a:ln>
-        </p:spPr>
-        <p:style>
-          <a:lnRef idx="1">
-            <a:schemeClr val="accent1"/>
-          </a:lnRef>
-          <a:fillRef idx="0">
-            <a:schemeClr val="accent1"/>
-          </a:fillRef>
-          <a:effectRef idx="0">
-            <a:schemeClr val="accent1"/>
-          </a:effectRef>
-          <a:fontRef idx="minor">
-            <a:schemeClr val="tx1"/>
-          </a:fontRef>
-        </p:style>
-      </p:cxnSp>
-      <p:sp>
-        <p:nvSpPr>
-          <p:cNvPr id="14" name="TextBox 13"/>
-          <p:cNvSpPr txBox="1"/>
-          <p:nvPr/>
-        </p:nvSpPr>
-        <p:spPr>
-          <a:xfrm>
-            <a:off x="1627240" y="4845095"/>
-            <a:ext cx="4019444" cy="369332"/>
-          </a:xfrm>
-          <a:prstGeom prst="rect">
-            <a:avLst/>
-          </a:prstGeom>
-          <a:noFill/>
-        </p:spPr>
-        <p:txBody>
-          <a:bodyPr wrap="square" rtlCol="0">
-            <a:spAutoFit/>
-          </a:bodyPr>
-          <a:lstStyle/>
-          <a:p>
-            <a:pPr algn="ctr"/>
-            <a:r>
-              <a:rPr lang="en-US" dirty="0"/>
-              <a:t>User notification on defined channel</a:t>
-            </a:r>
-          </a:p>
-        </p:txBody>
-      </p:sp>
-      <p:cxnSp>
-        <p:nvCxnSpPr>
-          <p:cNvPr id="15" name="Straight Arrow Connector 14"/>
-          <p:cNvCxnSpPr>
-            <a:cxnSpLocks/>
-          </p:cNvCxnSpPr>
-          <p:nvPr/>
-        </p:nvCxnSpPr>
-        <p:spPr>
-          <a:xfrm flipH="1">
-            <a:off x="6084193" y="3288857"/>
-            <a:ext cx="4168879" cy="0"/>
-          </a:xfrm>
-          <a:prstGeom prst="straightConnector1">
-            <a:avLst/>
-          </a:prstGeom>
-          <a:ln w="76200">
-            <a:tailEnd type="triangle"/>
-          </a:ln>
-        </p:spPr>
-        <p:style>
-          <a:lnRef idx="1">
-            <a:schemeClr val="accent1"/>
-          </a:lnRef>
-          <a:fillRef idx="0">
-            <a:schemeClr val="accent1"/>
-          </a:fillRef>
-          <a:effectRef idx="0">
-            <a:schemeClr val="accent1"/>
-          </a:effectRef>
-          <a:fontRef idx="minor">
-            <a:schemeClr val="tx1"/>
-          </a:fontRef>
-        </p:style>
-      </p:cxnSp>
-      <p:sp>
-        <p:nvSpPr>
-          <p:cNvPr id="16" name="TextBox 15"/>
-          <p:cNvSpPr txBox="1"/>
-          <p:nvPr/>
-        </p:nvSpPr>
-        <p:spPr>
-          <a:xfrm>
-            <a:off x="6503560" y="3288857"/>
-            <a:ext cx="3379304" cy="923330"/>
-          </a:xfrm>
-          <a:prstGeom prst="rect">
-            <a:avLst/>
-          </a:prstGeom>
-          <a:noFill/>
-        </p:spPr>
-        <p:txBody>
-          <a:bodyPr wrap="square" rtlCol="0">
-            <a:spAutoFit/>
-          </a:bodyPr>
-          <a:lstStyle/>
-          <a:p>
-            <a:pPr algn="ctr"/>
-            <a:r>
-              <a:rPr lang="en-US" dirty="0"/>
               <a:t>POST http://[bot URL]/</a:t>
             </a:r>
             <a:r>
@@ -4123,15 +3902,7 @@
             </a:r>
             <a:r>
               <a:rPr lang="en-US" dirty="0" err="1"/>
-              <a:t>conversationId</a:t>
-            </a:r>
-            <a:r>
-              <a:rPr lang="en-US" dirty="0"/>
-              <a:t>}/{</a:t>
-            </a:r>
-            <a:r>
-              <a:rPr lang="en-US" dirty="0" err="1"/>
-              <a:t>channelId</a:t>
+              <a:t>encoded_address</a:t>
             </a:r>
             <a:r>
               <a:rPr lang="en-US" dirty="0"/>
